--- a/docs/FU DB Specification 1.0 r06.pptx
+++ b/docs/FU DB Specification 1.0 r06.pptx
@@ -288,7 +288,7 @@
           <a:p>
             <a:fld id="{1160EA64-D806-43AC-9DF2-F8C432F32B4C}" type="datetimeFigureOut">
               <a:rPr lang="en-US" dirty="0"/>
-              <a:t>12/22/2019</a:t>
+              <a:t>22-12-2019</a:t>
             </a:fld>
             <a:endParaRPr lang="en-US" dirty="0"/>
           </a:p>
@@ -454,7 +454,7 @@
           <a:p>
             <a:fld id="{E9F9C37B-1D36-470B-8223-D6C91242EC14}" type="datetimeFigureOut">
               <a:rPr lang="en-US" dirty="0"/>
-              <a:t>12/22/2019</a:t>
+              <a:t>22-12-2019</a:t>
             </a:fld>
             <a:endParaRPr lang="en-US" dirty="0"/>
           </a:p>
@@ -629,7 +629,7 @@
           <a:p>
             <a:fld id="{67C6F52A-A82B-47A2-A83A-8C4C91F2D59F}" type="datetimeFigureOut">
               <a:rPr lang="en-US" dirty="0"/>
-              <a:t>12/22/2019</a:t>
+              <a:t>22-12-2019</a:t>
             </a:fld>
             <a:endParaRPr lang="en-US" dirty="0"/>
           </a:p>
@@ -808,7 +808,7 @@
           <a:p>
             <a:fld id="{F070A7B3-6521-4DCA-87E5-044747A908C1}" type="datetimeFigureOut">
               <a:rPr lang="en-US" dirty="0"/>
-              <a:t>12/22/2019</a:t>
+              <a:t>22-12-2019</a:t>
             </a:fld>
             <a:endParaRPr lang="en-US" dirty="0"/>
           </a:p>
@@ -1085,7 +1085,7 @@
           <a:p>
             <a:fld id="{1160EA64-D806-43AC-9DF2-F8C432F32B4C}" type="datetimeFigureOut">
               <a:rPr lang="en-US" dirty="0"/>
-              <a:t>12/22/2019</a:t>
+              <a:t>22-12-2019</a:t>
             </a:fld>
             <a:endParaRPr lang="en-US" dirty="0"/>
           </a:p>
@@ -1313,7 +1313,7 @@
           <a:p>
             <a:fld id="{AB134690-1557-4C89-A502-4959FE7FAD70}" type="datetimeFigureOut">
               <a:rPr lang="en-US" dirty="0"/>
-              <a:t>12/22/2019</a:t>
+              <a:t>22-12-2019</a:t>
             </a:fld>
             <a:endParaRPr lang="en-US" dirty="0"/>
           </a:p>
@@ -1663,7 +1663,7 @@
           <a:p>
             <a:fld id="{4F7D4976-E339-4826-83B7-FBD03F55ECF8}" type="datetimeFigureOut">
               <a:rPr lang="en-US" dirty="0"/>
-              <a:t>12/22/2019</a:t>
+              <a:t>22-12-2019</a:t>
             </a:fld>
             <a:endParaRPr lang="en-US" dirty="0"/>
           </a:p>
@@ -1799,7 +1799,7 @@
           <a:p>
             <a:fld id="{E1037C31-9E7A-4F99-8774-A0E530DE1A42}" type="datetimeFigureOut">
               <a:rPr lang="en-US" dirty="0"/>
-              <a:t>12/22/2019</a:t>
+              <a:t>22-12-2019</a:t>
             </a:fld>
             <a:endParaRPr lang="en-US" dirty="0"/>
           </a:p>
@@ -1889,7 +1889,7 @@
           <a:p>
             <a:fld id="{C278504F-A551-4DE0-9316-4DCD1D8CC752}" type="datetimeFigureOut">
               <a:rPr lang="en-US" dirty="0"/>
-              <a:t>12/22/2019</a:t>
+              <a:t>22-12-2019</a:t>
             </a:fld>
             <a:endParaRPr lang="en-US" dirty="0"/>
           </a:p>
@@ -2246,7 +2246,7 @@
           <a:p>
             <a:fld id="{D1BE4249-C0D0-4B06-8692-E8BB871AF643}" type="datetimeFigureOut">
               <a:rPr lang="en-US" dirty="0"/>
-              <a:t>12/22/2019</a:t>
+              <a:t>22-12-2019</a:t>
             </a:fld>
             <a:endParaRPr lang="en-US" dirty="0"/>
           </a:p>
@@ -2603,7 +2603,7 @@
           <a:p>
             <a:fld id="{042B0DB6-F5C7-45FB-8CF3-31B45F9C2DAC}" type="datetimeFigureOut">
               <a:rPr lang="en-US" dirty="0"/>
-              <a:t>12/22/2019</a:t>
+              <a:t>22-12-2019</a:t>
             </a:fld>
             <a:endParaRPr lang="en-US" dirty="0"/>
           </a:p>
@@ -2842,7 +2842,7 @@
           <a:p>
             <a:fld id="{1160EA64-D806-43AC-9DF2-F8C432F32B4C}" type="datetimeFigureOut">
               <a:rPr lang="en-US" dirty="0"/>
-              <a:t>12/22/2019</a:t>
+              <a:t>22-12-2019</a:t>
             </a:fld>
             <a:endParaRPr lang="en-US" dirty="0"/>
           </a:p>
@@ -3366,13 +3366,8 @@
             </a:r>
             <a:r>
               <a:rPr lang="nb-NO" dirty="0"/>
-              <a:t> </a:t>
-            </a:r>
-            <a:r>
-              <a:rPr lang="nb-NO" dirty="0" smtClean="0"/>
-              <a:t>0.6</a:t>
-            </a:r>
-            <a:endParaRPr lang="nb-NO" dirty="0"/>
+              <a:t> 0.6</a:t>
+            </a:r>
           </a:p>
         </p:txBody>
       </p:sp>
@@ -3546,15 +3541,15 @@
               <a:t> </a:t>
             </a:r>
             <a:r>
-              <a:rPr lang="nb-NO" dirty="0" err="1" smtClean="0"/>
+              <a:rPr lang="nb-NO" dirty="0" err="1"/>
               <a:t>tables</a:t>
             </a:r>
             <a:r>
-              <a:rPr lang="nb-NO" dirty="0" smtClean="0"/>
-              <a:t> </a:t>
-            </a:r>
-            <a:r>
-              <a:rPr lang="nb-NO" dirty="0" smtClean="0">
+              <a:rPr lang="nb-NO" dirty="0"/>
+              <a:t> </a:t>
+            </a:r>
+            <a:r>
+              <a:rPr lang="nb-NO" dirty="0">
                 <a:solidFill>
                   <a:srgbClr val="FFC000"/>
                 </a:solidFill>
@@ -3562,7 +3557,7 @@
               <a:t>(for </a:t>
             </a:r>
             <a:r>
-              <a:rPr lang="nb-NO" dirty="0" err="1" smtClean="0">
+              <a:rPr lang="nb-NO" dirty="0" err="1">
                 <a:solidFill>
                   <a:srgbClr val="FFC000"/>
                 </a:solidFill>
@@ -3570,7 +3565,7 @@
               <a:t>view</a:t>
             </a:r>
             <a:r>
-              <a:rPr lang="nb-NO" dirty="0" smtClean="0">
+              <a:rPr lang="nb-NO" dirty="0">
                 <a:solidFill>
                   <a:srgbClr val="FFC000"/>
                 </a:solidFill>
@@ -3578,7 +3573,7 @@
               <a:t> and </a:t>
             </a:r>
             <a:r>
-              <a:rPr lang="nb-NO" dirty="0" err="1" smtClean="0">
+              <a:rPr lang="nb-NO" dirty="0" err="1">
                 <a:solidFill>
                   <a:srgbClr val="FFC000"/>
                 </a:solidFill>
@@ -3586,18 +3581,13 @@
               <a:t>export</a:t>
             </a:r>
             <a:r>
-              <a:rPr lang="nb-NO" dirty="0" smtClean="0">
+              <a:rPr lang="nb-NO" dirty="0">
                 <a:solidFill>
                   <a:srgbClr val="FFC000"/>
                 </a:solidFill>
               </a:rPr>
               <a:t>)</a:t>
             </a:r>
-            <a:endParaRPr lang="nb-NO" dirty="0">
-              <a:solidFill>
-                <a:srgbClr val="FFC000"/>
-              </a:solidFill>
-            </a:endParaRPr>
           </a:p>
           <a:p>
             <a:pPr lvl="1"/>
@@ -3609,18 +3599,13 @@
           <a:p>
             <a:pPr lvl="1"/>
             <a:r>
-              <a:rPr lang="nb-NO" dirty="0" smtClean="0">
+              <a:rPr lang="nb-NO" dirty="0">
                 <a:solidFill>
                   <a:srgbClr val="FFC000"/>
                 </a:solidFill>
               </a:rPr>
               <a:t>Donors</a:t>
             </a:r>
-            <a:endParaRPr lang="nb-NO" dirty="0">
-              <a:solidFill>
-                <a:srgbClr val="FFC000"/>
-              </a:solidFill>
-            </a:endParaRPr>
           </a:p>
           <a:p>
             <a:pPr lvl="1"/>
@@ -3633,25 +3618,16 @@
             <a:pPr lvl="1"/>
             <a:r>
               <a:rPr lang="nb-NO" dirty="0"/>
-              <a:t>Exchange </a:t>
-            </a:r>
-            <a:r>
-              <a:rPr lang="nb-NO" dirty="0" smtClean="0"/>
-              <a:t>rates </a:t>
-            </a:r>
-            <a:r>
-              <a:rPr lang="nb-NO" dirty="0" smtClean="0">
+              <a:t>Exchange rates </a:t>
+            </a:r>
+            <a:r>
+              <a:rPr lang="nb-NO" dirty="0">
                 <a:solidFill>
                   <a:srgbClr val="FFC000"/>
                 </a:solidFill>
               </a:rPr>
               <a:t>for NOK, UAH, RUB, EUR, USD</a:t>
             </a:r>
-            <a:endParaRPr lang="nb-NO" dirty="0">
-              <a:solidFill>
-                <a:srgbClr val="FFC000"/>
-              </a:solidFill>
-            </a:endParaRPr>
           </a:p>
           <a:p>
             <a:endParaRPr lang="nb-NO" dirty="0"/>
@@ -3826,15 +3802,15 @@
               <a:t>New </a:t>
             </a:r>
             <a:r>
-              <a:rPr lang="nb-NO" dirty="0" err="1" smtClean="0"/>
+              <a:rPr lang="nb-NO" dirty="0" err="1"/>
               <a:t>project</a:t>
             </a:r>
-            <a:endParaRPr lang="nb-NO" dirty="0" smtClean="0"/>
+            <a:endParaRPr lang="nb-NO" dirty="0"/>
           </a:p>
           <a:p>
             <a:pPr lvl="1"/>
             <a:r>
-              <a:rPr lang="nb-NO" dirty="0" smtClean="0">
+              <a:rPr lang="nb-NO" dirty="0">
                 <a:solidFill>
                   <a:srgbClr val="FFC000"/>
                 </a:solidFill>
@@ -3842,7 +3818,7 @@
               <a:t>New </a:t>
             </a:r>
             <a:r>
-              <a:rPr lang="nb-NO" dirty="0" err="1" smtClean="0">
+              <a:rPr lang="nb-NO" dirty="0" err="1">
                 <a:solidFill>
                   <a:srgbClr val="FFC000"/>
                 </a:solidFill>
@@ -4065,15 +4041,15 @@
               <a:t>New </a:t>
             </a:r>
             <a:r>
-              <a:rPr lang="nb-NO" dirty="0" err="1" smtClean="0"/>
+              <a:rPr lang="nb-NO" dirty="0" err="1"/>
               <a:t>project</a:t>
             </a:r>
-            <a:endParaRPr lang="nb-NO" dirty="0" smtClean="0"/>
+            <a:endParaRPr lang="nb-NO" dirty="0"/>
           </a:p>
           <a:p>
             <a:pPr lvl="1"/>
             <a:r>
-              <a:rPr lang="nb-NO" dirty="0" smtClean="0">
+              <a:rPr lang="nb-NO" dirty="0">
                 <a:solidFill>
                   <a:srgbClr val="FFC000"/>
                 </a:solidFill>
@@ -4081,7 +4057,7 @@
               <a:t>New </a:t>
             </a:r>
             <a:r>
-              <a:rPr lang="nb-NO" dirty="0" err="1" smtClean="0">
+              <a:rPr lang="nb-NO" dirty="0" err="1">
                 <a:solidFill>
                   <a:srgbClr val="FFC000"/>
                 </a:solidFill>
@@ -5443,47 +5419,47 @@
           <a:lstStyle/>
           <a:p>
             <a:r>
-              <a:rPr lang="nb-NO" dirty="0" err="1" smtClean="0"/>
+              <a:rPr lang="nb-NO" dirty="0" err="1"/>
               <a:t>Transaction</a:t>
             </a:r>
-            <a:endParaRPr lang="nb-NO" dirty="0" smtClean="0"/>
+            <a:endParaRPr lang="nb-NO" dirty="0"/>
           </a:p>
           <a:p>
             <a:pPr lvl="1"/>
             <a:r>
-              <a:rPr lang="nb-NO" dirty="0" err="1" smtClean="0"/>
+              <a:rPr lang="nb-NO" dirty="0" err="1"/>
               <a:t>Every</a:t>
             </a:r>
             <a:r>
-              <a:rPr lang="nb-NO" dirty="0" smtClean="0"/>
-              <a:t> </a:t>
-            </a:r>
-            <a:r>
-              <a:rPr lang="nb-NO" dirty="0" err="1" smtClean="0"/>
+              <a:rPr lang="nb-NO" dirty="0"/>
+              <a:t> </a:t>
+            </a:r>
+            <a:r>
+              <a:rPr lang="nb-NO" dirty="0" err="1"/>
               <a:t>incoming</a:t>
             </a:r>
             <a:r>
-              <a:rPr lang="nb-NO" dirty="0" smtClean="0"/>
+              <a:rPr lang="nb-NO" dirty="0"/>
               <a:t> and </a:t>
             </a:r>
             <a:r>
-              <a:rPr lang="nb-NO" dirty="0" err="1" smtClean="0"/>
+              <a:rPr lang="nb-NO" dirty="0" err="1"/>
               <a:t>outgoing</a:t>
             </a:r>
             <a:r>
-              <a:rPr lang="nb-NO" dirty="0" smtClean="0"/>
-              <a:t> </a:t>
-            </a:r>
-            <a:r>
-              <a:rPr lang="nb-NO" dirty="0" err="1" smtClean="0"/>
+              <a:rPr lang="nb-NO" dirty="0"/>
+              <a:t> </a:t>
+            </a:r>
+            <a:r>
+              <a:rPr lang="nb-NO" dirty="0" err="1"/>
               <a:t>monetary</a:t>
             </a:r>
             <a:r>
-              <a:rPr lang="nb-NO" dirty="0" smtClean="0"/>
-              <a:t> </a:t>
-            </a:r>
-            <a:r>
-              <a:rPr lang="nb-NO" dirty="0" err="1" smtClean="0"/>
+              <a:rPr lang="nb-NO" dirty="0"/>
+              <a:t> </a:t>
+            </a:r>
+            <a:r>
+              <a:rPr lang="nb-NO" dirty="0" err="1"/>
               <a:t>transactions</a:t>
             </a:r>
             <a:r>
@@ -5493,266 +5469,263 @@
           </a:p>
           <a:p>
             <a:r>
-              <a:rPr lang="nb-NO" dirty="0" smtClean="0"/>
+              <a:rPr lang="nb-NO" dirty="0"/>
               <a:t>Project</a:t>
             </a:r>
           </a:p>
           <a:p>
             <a:pPr lvl="1"/>
             <a:r>
-              <a:rPr lang="nb-NO" dirty="0" smtClean="0"/>
+              <a:rPr lang="nb-NO" dirty="0"/>
               <a:t>The </a:t>
             </a:r>
             <a:r>
-              <a:rPr lang="nb-NO" dirty="0" err="1" smtClean="0"/>
+              <a:rPr lang="nb-NO" dirty="0" err="1"/>
               <a:t>activities</a:t>
             </a:r>
             <a:r>
-              <a:rPr lang="nb-NO" dirty="0" smtClean="0"/>
-              <a:t> </a:t>
-            </a:r>
-            <a:r>
-              <a:rPr lang="nb-NO" dirty="0" err="1" smtClean="0"/>
+              <a:rPr lang="nb-NO" dirty="0"/>
+              <a:t> </a:t>
+            </a:r>
+            <a:r>
+              <a:rPr lang="nb-NO" dirty="0" err="1"/>
               <a:t>we</a:t>
             </a:r>
             <a:r>
-              <a:rPr lang="nb-NO" dirty="0" smtClean="0"/>
-              <a:t> </a:t>
-            </a:r>
-            <a:r>
-              <a:rPr lang="nb-NO" dirty="0" err="1" smtClean="0"/>
+              <a:rPr lang="nb-NO" dirty="0"/>
+              <a:t> </a:t>
+            </a:r>
+            <a:r>
+              <a:rPr lang="nb-NO" dirty="0" err="1"/>
               <a:t>carries</a:t>
             </a:r>
             <a:r>
-              <a:rPr lang="nb-NO" dirty="0" smtClean="0"/>
-              <a:t> </a:t>
-            </a:r>
-            <a:r>
-              <a:rPr lang="nb-NO" dirty="0" err="1" smtClean="0"/>
+              <a:rPr lang="nb-NO" dirty="0"/>
+              <a:t> </a:t>
+            </a:r>
+            <a:r>
+              <a:rPr lang="nb-NO" dirty="0" err="1"/>
               <a:t>out</a:t>
             </a:r>
             <a:r>
-              <a:rPr lang="nb-NO" dirty="0" smtClean="0"/>
+              <a:rPr lang="nb-NO" dirty="0"/>
               <a:t> in </a:t>
             </a:r>
             <a:r>
-              <a:rPr lang="nb-NO" dirty="0" err="1" smtClean="0"/>
+              <a:rPr lang="nb-NO" dirty="0" err="1"/>
               <a:t>the</a:t>
             </a:r>
             <a:r>
-              <a:rPr lang="nb-NO" dirty="0" smtClean="0"/>
-              <a:t> </a:t>
-            </a:r>
-            <a:r>
-              <a:rPr lang="nb-NO" dirty="0" err="1" smtClean="0"/>
+              <a:rPr lang="nb-NO" dirty="0"/>
+              <a:t> </a:t>
+            </a:r>
+            <a:r>
+              <a:rPr lang="nb-NO" dirty="0" err="1"/>
               <a:t>field</a:t>
             </a:r>
             <a:r>
-              <a:rPr lang="nb-NO" dirty="0" smtClean="0"/>
+              <a:rPr lang="nb-NO" dirty="0"/>
               <a:t> for </a:t>
             </a:r>
             <a:r>
-              <a:rPr lang="nb-NO" dirty="0" err="1" smtClean="0"/>
+              <a:rPr lang="nb-NO" dirty="0" err="1"/>
               <a:t>the</a:t>
             </a:r>
             <a:r>
-              <a:rPr lang="nb-NO" dirty="0" smtClean="0"/>
-              <a:t> </a:t>
-            </a:r>
-            <a:r>
-              <a:rPr lang="nb-NO" dirty="0" err="1" smtClean="0"/>
+              <a:rPr lang="nb-NO" dirty="0"/>
+              <a:t> </a:t>
+            </a:r>
+            <a:r>
+              <a:rPr lang="nb-NO" dirty="0" err="1"/>
               <a:t>benefit</a:t>
             </a:r>
             <a:r>
-              <a:rPr lang="nb-NO" dirty="0" smtClean="0"/>
-              <a:t> </a:t>
-            </a:r>
-            <a:r>
-              <a:rPr lang="nb-NO" dirty="0" err="1" smtClean="0"/>
+              <a:rPr lang="nb-NO" dirty="0"/>
+              <a:t> </a:t>
+            </a:r>
+            <a:r>
+              <a:rPr lang="nb-NO" dirty="0" err="1"/>
               <a:t>of</a:t>
             </a:r>
             <a:r>
-              <a:rPr lang="nb-NO" dirty="0" smtClean="0"/>
-              <a:t> </a:t>
-            </a:r>
-            <a:r>
-              <a:rPr lang="nb-NO" dirty="0" err="1" smtClean="0"/>
+              <a:rPr lang="nb-NO" dirty="0"/>
+              <a:t> </a:t>
+            </a:r>
+            <a:r>
+              <a:rPr lang="nb-NO" dirty="0" err="1"/>
               <a:t>Ukrainian</a:t>
             </a:r>
             <a:r>
-              <a:rPr lang="nb-NO" dirty="0" smtClean="0"/>
-              <a:t> </a:t>
-            </a:r>
-            <a:r>
-              <a:rPr lang="nb-NO" dirty="0" err="1" smtClean="0"/>
+              <a:rPr lang="nb-NO" dirty="0"/>
+              <a:t> </a:t>
+            </a:r>
+            <a:r>
+              <a:rPr lang="nb-NO" dirty="0" err="1"/>
               <a:t>individuals</a:t>
             </a:r>
             <a:r>
-              <a:rPr lang="nb-NO" dirty="0" smtClean="0"/>
+              <a:rPr lang="nb-NO" dirty="0"/>
               <a:t>, </a:t>
             </a:r>
             <a:r>
-              <a:rPr lang="nb-NO" dirty="0" err="1" smtClean="0"/>
+              <a:rPr lang="nb-NO" dirty="0" err="1"/>
               <a:t>directly</a:t>
             </a:r>
             <a:r>
-              <a:rPr lang="nb-NO" dirty="0" smtClean="0"/>
+              <a:rPr lang="nb-NO" dirty="0"/>
               <a:t> or via </a:t>
             </a:r>
             <a:r>
-              <a:rPr lang="nb-NO" dirty="0" err="1" smtClean="0"/>
+              <a:rPr lang="nb-NO" dirty="0" err="1"/>
               <a:t>supporting</a:t>
             </a:r>
             <a:r>
-              <a:rPr lang="nb-NO" dirty="0" smtClean="0"/>
-              <a:t> </a:t>
-            </a:r>
-            <a:r>
-              <a:rPr lang="nb-NO" dirty="0" err="1" smtClean="0"/>
+              <a:rPr lang="nb-NO" dirty="0"/>
+              <a:t> </a:t>
+            </a:r>
+            <a:r>
+              <a:rPr lang="nb-NO" dirty="0" err="1"/>
               <a:t>other</a:t>
             </a:r>
             <a:r>
-              <a:rPr lang="nb-NO" dirty="0" smtClean="0"/>
-              <a:t> </a:t>
-            </a:r>
-            <a:r>
-              <a:rPr lang="nb-NO" dirty="0" err="1" smtClean="0"/>
+              <a:rPr lang="nb-NO" dirty="0"/>
+              <a:t> </a:t>
+            </a:r>
+            <a:r>
+              <a:rPr lang="nb-NO" dirty="0" err="1"/>
               <a:t>charities</a:t>
             </a:r>
             <a:r>
-              <a:rPr lang="nb-NO" dirty="0" smtClean="0"/>
-              <a:t> </a:t>
-            </a:r>
-            <a:r>
-              <a:rPr lang="nb-NO" dirty="0" err="1" smtClean="0"/>
+              <a:rPr lang="nb-NO" dirty="0"/>
+              <a:t> </a:t>
+            </a:r>
+            <a:r>
+              <a:rPr lang="nb-NO" dirty="0" err="1"/>
               <a:t>locally</a:t>
             </a:r>
             <a:r>
-              <a:rPr lang="nb-NO" dirty="0" smtClean="0"/>
+              <a:rPr lang="nb-NO" dirty="0"/>
               <a:t>.</a:t>
             </a:r>
+          </a:p>
+          <a:p>
+            <a:r>
+              <a:rPr lang="nb-NO" dirty="0" err="1"/>
+              <a:t>Beneficiary</a:t>
+            </a:r>
             <a:endParaRPr lang="nb-NO" dirty="0"/>
           </a:p>
           <a:p>
-            <a:r>
-              <a:rPr lang="nb-NO" dirty="0" err="1" smtClean="0"/>
-              <a:t>Beneficiary</a:t>
-            </a:r>
-            <a:endParaRPr lang="nb-NO" dirty="0" smtClean="0"/>
-          </a:p>
-          <a:p>
             <a:pPr lvl="1"/>
             <a:r>
-              <a:rPr lang="nb-NO" dirty="0" smtClean="0"/>
+              <a:rPr lang="nb-NO" dirty="0"/>
               <a:t>The </a:t>
             </a:r>
             <a:r>
-              <a:rPr lang="nb-NO" dirty="0" err="1" smtClean="0"/>
+              <a:rPr lang="nb-NO" dirty="0" err="1"/>
               <a:t>individual</a:t>
             </a:r>
             <a:r>
-              <a:rPr lang="nb-NO" dirty="0" smtClean="0"/>
+              <a:rPr lang="nb-NO" dirty="0"/>
               <a:t>, </a:t>
             </a:r>
             <a:r>
-              <a:rPr lang="nb-NO" dirty="0" err="1" smtClean="0"/>
+              <a:rPr lang="nb-NO" dirty="0" err="1"/>
               <a:t>family</a:t>
             </a:r>
             <a:r>
-              <a:rPr lang="nb-NO" dirty="0" smtClean="0"/>
+              <a:rPr lang="nb-NO" dirty="0"/>
               <a:t> or </a:t>
             </a:r>
             <a:r>
-              <a:rPr lang="nb-NO" dirty="0" err="1" smtClean="0"/>
+              <a:rPr lang="nb-NO" dirty="0" err="1"/>
               <a:t>activity</a:t>
             </a:r>
             <a:r>
-              <a:rPr lang="nb-NO" dirty="0" smtClean="0"/>
+              <a:rPr lang="nb-NO" dirty="0"/>
               <a:t> a </a:t>
             </a:r>
             <a:r>
-              <a:rPr lang="nb-NO" dirty="0" err="1" smtClean="0"/>
+              <a:rPr lang="nb-NO" dirty="0" err="1"/>
               <a:t>project</a:t>
             </a:r>
             <a:r>
-              <a:rPr lang="nb-NO" dirty="0" smtClean="0"/>
+              <a:rPr lang="nb-NO" dirty="0"/>
               <a:t> targets.</a:t>
             </a:r>
-            <a:endParaRPr lang="nb-NO" dirty="0"/>
-          </a:p>
-          <a:p>
-            <a:r>
-              <a:rPr lang="nb-NO" dirty="0" smtClean="0"/>
+          </a:p>
+          <a:p>
+            <a:r>
+              <a:rPr lang="nb-NO" dirty="0"/>
               <a:t>User</a:t>
             </a:r>
           </a:p>
           <a:p>
             <a:pPr lvl="1"/>
             <a:r>
-              <a:rPr lang="nb-NO" dirty="0" smtClean="0"/>
+              <a:rPr lang="nb-NO" dirty="0"/>
               <a:t>The persons </a:t>
             </a:r>
             <a:r>
-              <a:rPr lang="nb-NO" dirty="0" err="1" smtClean="0"/>
+              <a:rPr lang="nb-NO" dirty="0" err="1"/>
               <a:t>using</a:t>
             </a:r>
             <a:r>
-              <a:rPr lang="nb-NO" dirty="0" smtClean="0"/>
-              <a:t> </a:t>
-            </a:r>
-            <a:r>
-              <a:rPr lang="nb-NO" dirty="0" err="1" smtClean="0"/>
+              <a:rPr lang="nb-NO" dirty="0"/>
+              <a:t> </a:t>
+            </a:r>
+            <a:r>
+              <a:rPr lang="nb-NO" dirty="0" err="1"/>
               <a:t>this</a:t>
             </a:r>
             <a:r>
-              <a:rPr lang="nb-NO" dirty="0" smtClean="0"/>
+              <a:rPr lang="nb-NO" dirty="0"/>
               <a:t> service, </a:t>
             </a:r>
             <a:r>
-              <a:rPr lang="nb-NO" dirty="0" err="1" smtClean="0"/>
+              <a:rPr lang="nb-NO" dirty="0" err="1"/>
               <a:t>responsible</a:t>
             </a:r>
             <a:r>
-              <a:rPr lang="nb-NO" dirty="0" smtClean="0"/>
+              <a:rPr lang="nb-NO" dirty="0"/>
               <a:t> for </a:t>
             </a:r>
             <a:r>
-              <a:rPr lang="nb-NO" dirty="0" err="1" smtClean="0"/>
+              <a:rPr lang="nb-NO" dirty="0" err="1"/>
               <a:t>executing</a:t>
             </a:r>
             <a:r>
-              <a:rPr lang="nb-NO" dirty="0" smtClean="0"/>
-              <a:t> </a:t>
-            </a:r>
-            <a:r>
-              <a:rPr lang="nb-NO" dirty="0" err="1" smtClean="0"/>
+              <a:rPr lang="nb-NO" dirty="0"/>
+              <a:t> </a:t>
+            </a:r>
+            <a:r>
+              <a:rPr lang="nb-NO" dirty="0" err="1"/>
               <a:t>the</a:t>
             </a:r>
             <a:r>
-              <a:rPr lang="nb-NO" dirty="0" smtClean="0"/>
-              <a:t> </a:t>
-            </a:r>
-            <a:r>
-              <a:rPr lang="nb-NO" dirty="0" err="1" smtClean="0"/>
+              <a:rPr lang="nb-NO" dirty="0"/>
+              <a:t> </a:t>
+            </a:r>
+            <a:r>
+              <a:rPr lang="nb-NO" dirty="0" err="1"/>
               <a:t>mission</a:t>
             </a:r>
             <a:r>
-              <a:rPr lang="nb-NO" dirty="0" smtClean="0"/>
-              <a:t> </a:t>
-            </a:r>
-            <a:r>
-              <a:rPr lang="nb-NO" dirty="0" err="1" smtClean="0"/>
+              <a:rPr lang="nb-NO" dirty="0"/>
+              <a:t> </a:t>
+            </a:r>
+            <a:r>
+              <a:rPr lang="nb-NO" dirty="0" err="1"/>
               <a:t>of</a:t>
             </a:r>
             <a:r>
-              <a:rPr lang="nb-NO" dirty="0" smtClean="0"/>
+              <a:rPr lang="nb-NO" dirty="0"/>
               <a:t> Familiehjelpen Ukraina.</a:t>
             </a:r>
-            <a:endParaRPr lang="nb-NO" dirty="0"/>
-          </a:p>
-          <a:p>
-            <a:r>
-              <a:rPr lang="nb-NO" dirty="0" smtClean="0">
+          </a:p>
+          <a:p>
+            <a:r>
+              <a:rPr lang="nb-NO" dirty="0">
                 <a:solidFill>
                   <a:srgbClr val="FFC000"/>
                 </a:solidFill>
@@ -5763,50 +5736,49 @@
           <a:p>
             <a:pPr lvl="1"/>
             <a:r>
-              <a:rPr lang="nb-NO" dirty="0" smtClean="0"/>
+              <a:rPr lang="nb-NO" dirty="0"/>
               <a:t>The </a:t>
             </a:r>
             <a:r>
-              <a:rPr lang="nb-NO" dirty="0" err="1" smtClean="0"/>
+              <a:rPr lang="nb-NO" dirty="0" err="1"/>
               <a:t>people</a:t>
             </a:r>
             <a:r>
-              <a:rPr lang="nb-NO" dirty="0" smtClean="0"/>
-              <a:t> </a:t>
-            </a:r>
-            <a:r>
-              <a:rPr lang="nb-NO" dirty="0" err="1" smtClean="0"/>
+              <a:rPr lang="nb-NO" dirty="0"/>
+              <a:t> </a:t>
+            </a:r>
+            <a:r>
+              <a:rPr lang="nb-NO" dirty="0" err="1"/>
               <a:t>that</a:t>
             </a:r>
             <a:r>
-              <a:rPr lang="nb-NO" dirty="0" smtClean="0"/>
-              <a:t> </a:t>
-            </a:r>
-            <a:r>
-              <a:rPr lang="nb-NO" dirty="0" err="1" smtClean="0"/>
+              <a:rPr lang="nb-NO" dirty="0"/>
+              <a:t> </a:t>
+            </a:r>
+            <a:r>
+              <a:rPr lang="nb-NO" dirty="0" err="1"/>
               <a:t>once</a:t>
             </a:r>
             <a:r>
-              <a:rPr lang="nb-NO" dirty="0" smtClean="0"/>
+              <a:rPr lang="nb-NO" dirty="0"/>
               <a:t> or more support </a:t>
             </a:r>
             <a:r>
-              <a:rPr lang="nb-NO" dirty="0" err="1" smtClean="0"/>
+              <a:rPr lang="nb-NO" dirty="0" err="1"/>
               <a:t>our</a:t>
             </a:r>
             <a:r>
-              <a:rPr lang="nb-NO" dirty="0" smtClean="0"/>
-              <a:t> </a:t>
-            </a:r>
-            <a:r>
-              <a:rPr lang="nb-NO" dirty="0" err="1" smtClean="0"/>
+              <a:rPr lang="nb-NO" dirty="0"/>
+              <a:t> </a:t>
+            </a:r>
+            <a:r>
+              <a:rPr lang="nb-NO" dirty="0" err="1"/>
               <a:t>charity</a:t>
             </a:r>
             <a:r>
-              <a:rPr lang="nb-NO" dirty="0" smtClean="0"/>
+              <a:rPr lang="nb-NO" dirty="0"/>
               <a:t>.</a:t>
             </a:r>
-            <a:endParaRPr lang="nb-NO" dirty="0"/>
           </a:p>
           <a:p>
             <a:endParaRPr lang="nb-NO" dirty="0"/>
@@ -5935,94 +5907,104 @@
             </a:r>
             <a:r>
               <a:rPr lang="nb-NO" dirty="0"/>
-              <a:t>, format </a:t>
-            </a:r>
-            <a:r>
-              <a:rPr lang="nb-NO" dirty="0" smtClean="0"/>
-              <a:t>03.11.19</a:t>
-            </a:r>
-          </a:p>
-          <a:p>
-            <a:r>
-              <a:rPr lang="nb-NO" dirty="0" err="1" smtClean="0"/>
+              <a:t>, format 03.11.19</a:t>
+            </a:r>
+          </a:p>
+          <a:p>
+            <a:r>
+              <a:rPr lang="nb-NO" dirty="0" err="1"/>
               <a:t>Currency</a:t>
             </a:r>
             <a:r>
-              <a:rPr lang="nb-NO" dirty="0" smtClean="0"/>
+              <a:rPr lang="nb-NO" dirty="0"/>
               <a:t>	NOK, UAH, RUB, EUR, USD</a:t>
             </a:r>
           </a:p>
           <a:p>
             <a:r>
-              <a:rPr lang="nb-NO" dirty="0" smtClean="0"/>
+              <a:rPr lang="nb-NO" dirty="0"/>
               <a:t>NOK		</a:t>
             </a:r>
             <a:r>
-              <a:rPr lang="nb-NO" dirty="0" err="1" smtClean="0"/>
+              <a:rPr lang="nb-NO" dirty="0" err="1"/>
               <a:t>Calculated</a:t>
             </a:r>
             <a:r>
-              <a:rPr lang="nb-NO" dirty="0" smtClean="0"/>
-              <a:t> </a:t>
-            </a:r>
-            <a:r>
-              <a:rPr lang="nb-NO" dirty="0" err="1" smtClean="0"/>
+              <a:rPr lang="nb-NO" dirty="0"/>
+              <a:t> </a:t>
+            </a:r>
+            <a:r>
+              <a:rPr lang="nb-NO" dirty="0" err="1"/>
               <a:t>amount</a:t>
             </a:r>
             <a:r>
-              <a:rPr lang="nb-NO" dirty="0" smtClean="0"/>
-              <a:t> </a:t>
-            </a:r>
-            <a:r>
-              <a:rPr lang="nb-NO" dirty="0" err="1" smtClean="0"/>
+              <a:rPr lang="nb-NO" dirty="0"/>
+              <a:t> </a:t>
+            </a:r>
+            <a:r>
+              <a:rPr lang="nb-NO" dirty="0" err="1"/>
               <a:t>based</a:t>
             </a:r>
             <a:r>
-              <a:rPr lang="nb-NO" dirty="0" smtClean="0"/>
-              <a:t> </a:t>
-            </a:r>
-            <a:r>
-              <a:rPr lang="nb-NO" dirty="0" err="1" smtClean="0"/>
+              <a:rPr lang="nb-NO" dirty="0"/>
+              <a:t> </a:t>
+            </a:r>
+            <a:r>
+              <a:rPr lang="nb-NO" dirty="0" err="1"/>
               <a:t>on</a:t>
             </a:r>
             <a:r>
-              <a:rPr lang="nb-NO" dirty="0" smtClean="0"/>
+              <a:rPr lang="nb-NO" dirty="0"/>
               <a:t> input and </a:t>
             </a:r>
             <a:r>
-              <a:rPr lang="nb-NO" dirty="0" err="1" smtClean="0"/>
+              <a:rPr lang="nb-NO" dirty="0" err="1"/>
               <a:t>currency</a:t>
             </a:r>
             <a:r>
-              <a:rPr lang="nb-NO" dirty="0" smtClean="0"/>
-              <a:t> </a:t>
-            </a:r>
-            <a:r>
-              <a:rPr lang="nb-NO" dirty="0" err="1" smtClean="0"/>
+              <a:rPr lang="nb-NO" dirty="0"/>
+              <a:t> </a:t>
+            </a:r>
+            <a:r>
+              <a:rPr lang="nb-NO" dirty="0" err="1"/>
               <a:t>using</a:t>
             </a:r>
             <a:r>
-              <a:rPr lang="nb-NO" dirty="0" smtClean="0"/>
-              <a:t> </a:t>
-            </a:r>
-            <a:r>
-              <a:rPr lang="nb-NO" dirty="0" err="1" smtClean="0"/>
+              <a:rPr lang="nb-NO" dirty="0"/>
+              <a:t> </a:t>
+            </a:r>
+            <a:r>
+              <a:rPr lang="nb-NO" dirty="0" err="1"/>
               <a:t>defined</a:t>
             </a:r>
             <a:r>
-              <a:rPr lang="nb-NO" dirty="0" smtClean="0"/>
+              <a:rPr lang="nb-NO" dirty="0"/>
               <a:t> rate</a:t>
             </a:r>
+          </a:p>
+          <a:p>
+            <a:r>
+              <a:rPr lang="nb-NO" dirty="0"/>
+              <a:t>From		</a:t>
+            </a:r>
+            <a:r>
+              <a:rPr lang="nb-NO" dirty="0" err="1"/>
+              <a:t>alpha</a:t>
+            </a:r>
+            <a:r>
+              <a:rPr lang="nb-NO" dirty="0"/>
+              <a:t>, 48 </a:t>
+            </a:r>
+            <a:r>
+              <a:rPr lang="nb-NO" dirty="0" err="1"/>
+              <a:t>characters</a:t>
+            </a:r>
             <a:endParaRPr lang="nb-NO" dirty="0"/>
           </a:p>
           <a:p>
             <a:r>
-              <a:rPr lang="nb-NO" dirty="0" smtClean="0"/>
-              <a:t>From</a:t>
-            </a:r>
-            <a:r>
-              <a:rPr lang="nb-NO" dirty="0"/>
-              <a:t>		</a:t>
+              <a:rPr lang="nb-NO" dirty="0"/>
+              <a:t>To		</a:t>
             </a:r>
             <a:r>
               <a:rPr lang="nb-NO" dirty="0" err="1"/>
@@ -6041,26 +6023,148 @@
           <a:p>
             <a:r>
               <a:rPr lang="nb-NO" dirty="0"/>
-              <a:t>To		</a:t>
-            </a:r>
-            <a:r>
-              <a:rPr lang="nb-NO" dirty="0" err="1"/>
-              <a:t>alpha</a:t>
-            </a:r>
-            <a:r>
-              <a:rPr lang="nb-NO" dirty="0"/>
-              <a:t>, 48 </a:t>
+              <a:t>Project		</a:t>
+            </a:r>
+            <a:r>
+              <a:rPr lang="nb-NO" dirty="0" err="1"/>
+              <a:t>alphanumeric</a:t>
+            </a:r>
+            <a:r>
+              <a:rPr lang="nb-NO" dirty="0"/>
+              <a:t>, 96 </a:t>
             </a:r>
             <a:r>
               <a:rPr lang="nb-NO" dirty="0" err="1"/>
               <a:t>characters</a:t>
             </a:r>
+            <a:r>
+              <a:rPr lang="nb-NO" dirty="0"/>
+              <a:t> – </a:t>
+            </a:r>
+            <a:r>
+              <a:rPr lang="nb-NO" dirty="0" err="1"/>
+              <a:t>check</a:t>
+            </a:r>
+            <a:r>
+              <a:rPr lang="nb-NO" dirty="0"/>
+              <a:t> for </a:t>
+            </a:r>
+            <a:r>
+              <a:rPr lang="nb-NO" dirty="0" err="1"/>
+              <a:t>uniqueness</a:t>
+            </a:r>
             <a:endParaRPr lang="nb-NO" dirty="0"/>
           </a:p>
           <a:p>
             <a:r>
               <a:rPr lang="nb-NO" dirty="0"/>
-              <a:t>Project		</a:t>
+              <a:t>Type		</a:t>
+            </a:r>
+            <a:r>
+              <a:rPr lang="nb-NO" dirty="0" err="1"/>
+              <a:t>mandatory</a:t>
+            </a:r>
+            <a:r>
+              <a:rPr lang="nb-NO" dirty="0"/>
+              <a:t>, </a:t>
+            </a:r>
+            <a:r>
+              <a:rPr lang="nb-NO" dirty="0" err="1"/>
+              <a:t>one</a:t>
+            </a:r>
+            <a:r>
+              <a:rPr lang="nb-NO" dirty="0"/>
+              <a:t> </a:t>
+            </a:r>
+            <a:r>
+              <a:rPr lang="nb-NO" dirty="0" err="1"/>
+              <a:t>of</a:t>
+            </a:r>
+            <a:r>
+              <a:rPr lang="nb-NO" dirty="0"/>
+              <a:t>: </a:t>
+            </a:r>
+            <a:r>
+              <a:rPr lang="nb-NO" dirty="0" err="1"/>
+              <a:t>Donation</a:t>
+            </a:r>
+            <a:r>
+              <a:rPr lang="nb-NO" dirty="0"/>
+              <a:t>, </a:t>
+            </a:r>
+            <a:r>
+              <a:rPr lang="nb-NO" dirty="0" err="1"/>
+              <a:t>Regular</a:t>
+            </a:r>
+            <a:r>
+              <a:rPr lang="nb-NO" dirty="0"/>
+              <a:t> </a:t>
+            </a:r>
+            <a:r>
+              <a:rPr lang="nb-NO" dirty="0" err="1"/>
+              <a:t>donation</a:t>
+            </a:r>
+            <a:r>
+              <a:rPr lang="nb-NO" dirty="0"/>
+              <a:t>, Fund </a:t>
+            </a:r>
+            <a:r>
+              <a:rPr lang="nb-NO" dirty="0" err="1"/>
+              <a:t>raiser</a:t>
+            </a:r>
+            <a:r>
+              <a:rPr lang="nb-NO" dirty="0"/>
+              <a:t>, Norsk Tipping, Transfer </a:t>
+            </a:r>
+            <a:r>
+              <a:rPr lang="nb-NO" dirty="0" err="1"/>
+              <a:t>fee</a:t>
+            </a:r>
+            <a:r>
+              <a:rPr lang="nb-NO" dirty="0"/>
+              <a:t>, Field 		</a:t>
+            </a:r>
+            <a:r>
+              <a:rPr lang="nb-NO" dirty="0" err="1"/>
+              <a:t>expense</a:t>
+            </a:r>
+            <a:r>
+              <a:rPr lang="nb-NO" dirty="0"/>
+              <a:t>,	</a:t>
+            </a:r>
+            <a:r>
+              <a:rPr lang="nb-NO" dirty="0" err="1"/>
+              <a:t>Expense</a:t>
+            </a:r>
+            <a:r>
+              <a:rPr lang="nb-NO" dirty="0"/>
+              <a:t>, </a:t>
+            </a:r>
+            <a:r>
+              <a:rPr lang="nb-NO" dirty="0" err="1"/>
+              <a:t>Individual</a:t>
+            </a:r>
+            <a:r>
+              <a:rPr lang="nb-NO" dirty="0"/>
+              <a:t>, Family, Activity, </a:t>
+            </a:r>
+            <a:r>
+              <a:rPr lang="nb-NO" dirty="0" err="1"/>
+              <a:t>Institution</a:t>
+            </a:r>
+            <a:r>
+              <a:rPr lang="nb-NO" dirty="0"/>
+              <a:t> </a:t>
+            </a:r>
+          </a:p>
+          <a:p>
+            <a:r>
+              <a:rPr lang="nb-NO" dirty="0" err="1"/>
+              <a:t>Description</a:t>
+            </a:r>
+            <a:r>
+              <a:rPr lang="nb-NO" dirty="0"/>
+              <a:t>	</a:t>
             </a:r>
             <a:r>
               <a:rPr lang="nb-NO" dirty="0" err="1"/>
@@ -6068,157 +6172,7 @@
             </a:r>
             <a:r>
               <a:rPr lang="nb-NO" dirty="0"/>
-              <a:t>, 96 </a:t>
-            </a:r>
-            <a:r>
-              <a:rPr lang="nb-NO" dirty="0" err="1"/>
-              <a:t>characters</a:t>
-            </a:r>
-            <a:r>
-              <a:rPr lang="nb-NO" dirty="0"/>
-              <a:t> – </a:t>
-            </a:r>
-            <a:r>
-              <a:rPr lang="nb-NO" dirty="0" err="1"/>
-              <a:t>check</a:t>
-            </a:r>
-            <a:r>
-              <a:rPr lang="nb-NO" dirty="0"/>
-              <a:t> for </a:t>
-            </a:r>
-            <a:r>
-              <a:rPr lang="nb-NO" dirty="0" err="1"/>
-              <a:t>uniqueness</a:t>
-            </a:r>
-            <a:endParaRPr lang="nb-NO" dirty="0"/>
-          </a:p>
-          <a:p>
-            <a:r>
-              <a:rPr lang="nb-NO" dirty="0"/>
-              <a:t>Type		</a:t>
-            </a:r>
-            <a:r>
-              <a:rPr lang="nb-NO" dirty="0" err="1"/>
-              <a:t>mandatory</a:t>
-            </a:r>
-            <a:r>
-              <a:rPr lang="nb-NO" dirty="0"/>
-              <a:t>, </a:t>
-            </a:r>
-            <a:r>
-              <a:rPr lang="nb-NO" dirty="0" err="1"/>
-              <a:t>one</a:t>
-            </a:r>
-            <a:r>
-              <a:rPr lang="nb-NO" dirty="0"/>
-              <a:t> </a:t>
-            </a:r>
-            <a:r>
-              <a:rPr lang="nb-NO" dirty="0" err="1"/>
-              <a:t>of</a:t>
-            </a:r>
-            <a:r>
-              <a:rPr lang="nb-NO" dirty="0"/>
-              <a:t>: </a:t>
-            </a:r>
-            <a:r>
-              <a:rPr lang="nb-NO" dirty="0" err="1"/>
-              <a:t>Donation</a:t>
-            </a:r>
-            <a:r>
-              <a:rPr lang="nb-NO" dirty="0"/>
-              <a:t>, </a:t>
-            </a:r>
-            <a:r>
-              <a:rPr lang="nb-NO" dirty="0" err="1" smtClean="0"/>
-              <a:t>Regular</a:t>
-            </a:r>
-            <a:r>
-              <a:rPr lang="nb-NO" dirty="0" smtClean="0"/>
-              <a:t> </a:t>
-            </a:r>
-            <a:r>
-              <a:rPr lang="nb-NO" dirty="0" err="1" smtClean="0"/>
-              <a:t>donation</a:t>
-            </a:r>
-            <a:r>
-              <a:rPr lang="nb-NO" dirty="0" smtClean="0"/>
-              <a:t>, Fund </a:t>
-            </a:r>
-            <a:r>
-              <a:rPr lang="nb-NO" dirty="0" err="1" smtClean="0"/>
-              <a:t>raiser</a:t>
-            </a:r>
-            <a:r>
-              <a:rPr lang="nb-NO" dirty="0" smtClean="0"/>
-              <a:t>, Norsk Tipping, Transfer </a:t>
-            </a:r>
-            <a:r>
-              <a:rPr lang="nb-NO" dirty="0" err="1"/>
-              <a:t>fee</a:t>
-            </a:r>
-            <a:r>
-              <a:rPr lang="nb-NO" dirty="0"/>
-              <a:t>, Field </a:t>
-            </a:r>
-            <a:r>
-              <a:rPr lang="nb-NO" dirty="0" smtClean="0"/>
-              <a:t>		</a:t>
-            </a:r>
-            <a:r>
-              <a:rPr lang="nb-NO" dirty="0" err="1" smtClean="0"/>
-              <a:t>expense</a:t>
-            </a:r>
-            <a:r>
-              <a:rPr lang="nb-NO" dirty="0" smtClean="0"/>
-              <a:t>,	</a:t>
-            </a:r>
-            <a:r>
-              <a:rPr lang="nb-NO" dirty="0" err="1" smtClean="0"/>
-              <a:t>Expense</a:t>
-            </a:r>
-            <a:r>
-              <a:rPr lang="nb-NO" dirty="0" smtClean="0"/>
-              <a:t>, </a:t>
-            </a:r>
-            <a:r>
-              <a:rPr lang="nb-NO" dirty="0" err="1" smtClean="0"/>
-              <a:t>Individual</a:t>
-            </a:r>
-            <a:r>
-              <a:rPr lang="nb-NO" dirty="0" smtClean="0"/>
-              <a:t>, Family, Activity, </a:t>
-            </a:r>
-            <a:r>
-              <a:rPr lang="nb-NO" dirty="0" err="1" smtClean="0"/>
-              <a:t>Institution</a:t>
-            </a:r>
-            <a:r>
-              <a:rPr lang="nb-NO" dirty="0" smtClean="0"/>
-              <a:t> </a:t>
-            </a:r>
-            <a:endParaRPr lang="nb-NO" dirty="0"/>
-          </a:p>
-          <a:p>
-            <a:r>
-              <a:rPr lang="nb-NO" dirty="0" err="1"/>
-              <a:t>Description</a:t>
-            </a:r>
-            <a:r>
-              <a:rPr lang="nb-NO" dirty="0"/>
-              <a:t>	</a:t>
-            </a:r>
-            <a:r>
-              <a:rPr lang="nb-NO" dirty="0" err="1"/>
-              <a:t>alphanumeric</a:t>
-            </a:r>
-            <a:r>
-              <a:rPr lang="nb-NO" dirty="0"/>
-              <a:t>, </a:t>
-            </a:r>
-            <a:r>
-              <a:rPr lang="nb-NO" dirty="0" smtClean="0"/>
-              <a:t>192 </a:t>
+              <a:t>, 192 </a:t>
             </a:r>
             <a:r>
               <a:rPr lang="nb-NO" dirty="0" err="1"/>
@@ -6403,10 +6357,10 @@
               <a:t>, 2000 </a:t>
             </a:r>
             <a:r>
-              <a:rPr lang="nb-NO" dirty="0" err="1" smtClean="0"/>
+              <a:rPr lang="nb-NO" dirty="0" err="1"/>
               <a:t>characters</a:t>
             </a:r>
-            <a:endParaRPr lang="nb-NO" dirty="0" smtClean="0"/>
+            <a:endParaRPr lang="nb-NO" dirty="0"/>
           </a:p>
           <a:p>
             <a:r>
@@ -6457,15 +6411,7 @@
                   <a:srgbClr val="FFC000"/>
                 </a:solidFill>
               </a:rPr>
-              <a:t>, format </a:t>
-            </a:r>
-            <a:r>
-              <a:rPr lang="nb-NO" dirty="0" smtClean="0">
-                <a:solidFill>
-                  <a:srgbClr val="FFC000"/>
-                </a:solidFill>
-              </a:rPr>
-              <a:t>04.11.19</a:t>
+              <a:t>, format 04.11.19</a:t>
             </a:r>
           </a:p>
           <a:p>
@@ -6606,7 +6552,7 @@
               <a:t>, </a:t>
             </a:r>
             <a:r>
-              <a:rPr lang="nb-NO" dirty="0" err="1" smtClean="0">
+              <a:rPr lang="nb-NO" dirty="0" err="1">
                 <a:solidFill>
                   <a:srgbClr val="FFC000"/>
                 </a:solidFill>
@@ -6665,26 +6611,105 @@
             </a:r>
             <a:r>
               <a:rPr lang="nb-NO" dirty="0"/>
-              <a:t>, up to </a:t>
-            </a:r>
-            <a:r>
-              <a:rPr lang="nb-NO" dirty="0" smtClean="0"/>
-              <a:t>8</a:t>
+              <a:t>, up to 8</a:t>
+            </a:r>
+          </a:p>
+          <a:p>
+            <a:r>
+              <a:rPr lang="nb-NO" dirty="0"/>
+              <a:t>Donor </a:t>
+            </a:r>
+            <a:r>
+              <a:rPr lang="nb-NO" dirty="0" err="1"/>
+              <a:t>pledge</a:t>
+            </a:r>
+            <a:r>
+              <a:rPr lang="nb-NO" dirty="0"/>
+              <a:t>	</a:t>
+            </a:r>
+            <a:r>
+              <a:rPr lang="nb-NO" dirty="0" err="1"/>
+              <a:t>numeric</a:t>
+            </a:r>
+            <a:r>
+              <a:rPr lang="nb-NO" dirty="0"/>
+              <a:t>, format 123.456,78 for </a:t>
+            </a:r>
+            <a:r>
+              <a:rPr lang="nb-NO" dirty="0" err="1"/>
+              <a:t>each</a:t>
+            </a:r>
+            <a:r>
+              <a:rPr lang="nb-NO" dirty="0"/>
+              <a:t> donor</a:t>
+            </a:r>
+          </a:p>
+          <a:p>
+            <a:r>
+              <a:rPr lang="nb-NO" dirty="0"/>
+              <a:t>Donor </a:t>
+            </a:r>
+            <a:r>
+              <a:rPr lang="nb-NO" dirty="0" err="1"/>
+              <a:t>duration</a:t>
+            </a:r>
+            <a:r>
+              <a:rPr lang="nb-NO" dirty="0"/>
+              <a:t>	date for </a:t>
+            </a:r>
+            <a:r>
+              <a:rPr lang="nb-NO" dirty="0" err="1"/>
+              <a:t>when</a:t>
+            </a:r>
+            <a:r>
+              <a:rPr lang="nb-NO" dirty="0"/>
+              <a:t> </a:t>
+            </a:r>
+            <a:r>
+              <a:rPr lang="nb-NO" dirty="0" err="1"/>
+              <a:t>pledged</a:t>
+            </a:r>
+            <a:r>
+              <a:rPr lang="nb-NO" dirty="0"/>
+              <a:t> and for </a:t>
+            </a:r>
+            <a:r>
+              <a:rPr lang="nb-NO" dirty="0" err="1"/>
+              <a:t>how</a:t>
+            </a:r>
+            <a:r>
+              <a:rPr lang="nb-NO" dirty="0"/>
+              <a:t> </a:t>
+            </a:r>
+            <a:r>
+              <a:rPr lang="nb-NO" dirty="0" err="1"/>
+              <a:t>long</a:t>
             </a:r>
             <a:endParaRPr lang="nb-NO" dirty="0"/>
           </a:p>
           <a:p>
             <a:r>
               <a:rPr lang="nb-NO" dirty="0"/>
-              <a:t>Donor </a:t>
-            </a:r>
-            <a:r>
-              <a:rPr lang="nb-NO" dirty="0" err="1"/>
-              <a:t>pledge</a:t>
-            </a:r>
-            <a:r>
-              <a:rPr lang="nb-NO" dirty="0"/>
-              <a:t>	</a:t>
+              <a:t>Feedback	</a:t>
+            </a:r>
+            <a:r>
+              <a:rPr lang="nb-NO" dirty="0" err="1"/>
+              <a:t>alphanumeric</a:t>
+            </a:r>
+            <a:r>
+              <a:rPr lang="nb-NO" dirty="0"/>
+              <a:t>, 2000 </a:t>
+            </a:r>
+            <a:r>
+              <a:rPr lang="nb-NO" dirty="0" err="1"/>
+              <a:t>characters</a:t>
+            </a:r>
+            <a:endParaRPr lang="nb-NO" dirty="0"/>
+          </a:p>
+          <a:p>
+            <a:r>
+              <a:rPr lang="nb-NO" dirty="0"/>
+              <a:t>Balance	</a:t>
             </a:r>
             <a:r>
               <a:rPr lang="nb-NO" dirty="0" err="1"/>
@@ -6692,105 +6717,8 @@
             </a:r>
             <a:r>
               <a:rPr lang="nb-NO" dirty="0"/>
-              <a:t>, format 123.456,78 for </a:t>
-            </a:r>
-            <a:r>
-              <a:rPr lang="nb-NO" dirty="0" err="1"/>
-              <a:t>each</a:t>
-            </a:r>
-            <a:r>
-              <a:rPr lang="nb-NO" dirty="0"/>
-              <a:t> donor</a:t>
-            </a:r>
-          </a:p>
-          <a:p>
-            <a:r>
-              <a:rPr lang="nb-NO" dirty="0"/>
-              <a:t>Donor </a:t>
-            </a:r>
-            <a:r>
-              <a:rPr lang="nb-NO" dirty="0" err="1"/>
-              <a:t>duration</a:t>
-            </a:r>
-            <a:r>
-              <a:rPr lang="nb-NO" dirty="0"/>
-              <a:t>	date for </a:t>
-            </a:r>
-            <a:r>
-              <a:rPr lang="nb-NO" dirty="0" err="1"/>
-              <a:t>when</a:t>
-            </a:r>
-            <a:r>
-              <a:rPr lang="nb-NO" dirty="0"/>
-              <a:t> </a:t>
-            </a:r>
-            <a:r>
-              <a:rPr lang="nb-NO" dirty="0" err="1"/>
-              <a:t>pledged</a:t>
-            </a:r>
-            <a:r>
-              <a:rPr lang="nb-NO" dirty="0"/>
-              <a:t> and for </a:t>
-            </a:r>
-            <a:r>
-              <a:rPr lang="nb-NO" dirty="0" err="1"/>
-              <a:t>how</a:t>
-            </a:r>
-            <a:r>
-              <a:rPr lang="nb-NO" dirty="0"/>
-              <a:t> </a:t>
-            </a:r>
-            <a:r>
-              <a:rPr lang="nb-NO" dirty="0" err="1"/>
-              <a:t>long</a:t>
-            </a:r>
-            <a:endParaRPr lang="nb-NO" dirty="0"/>
-          </a:p>
-          <a:p>
-            <a:r>
-              <a:rPr lang="nb-NO" dirty="0"/>
-              <a:t>Feedback	</a:t>
-            </a:r>
-            <a:r>
-              <a:rPr lang="nb-NO" dirty="0" err="1"/>
-              <a:t>alphanumeric</a:t>
-            </a:r>
-            <a:r>
-              <a:rPr lang="nb-NO" dirty="0"/>
-              <a:t>, 2000 </a:t>
-            </a:r>
-            <a:r>
-              <a:rPr lang="nb-NO" dirty="0" err="1"/>
-              <a:t>characters</a:t>
-            </a:r>
-            <a:endParaRPr lang="nb-NO" dirty="0"/>
-          </a:p>
-          <a:p>
-            <a:r>
-              <a:rPr lang="nb-NO" dirty="0"/>
-              <a:t>Balance	</a:t>
-            </a:r>
-            <a:r>
-              <a:rPr lang="nb-NO" dirty="0" err="1"/>
-              <a:t>numeric</a:t>
-            </a:r>
-            <a:r>
-              <a:rPr lang="nb-NO" dirty="0"/>
-              <a:t>, format 1.234.567,89 for NOK, </a:t>
-            </a:r>
-            <a:r>
-              <a:rPr lang="nb-NO" dirty="0" smtClean="0"/>
-              <a:t>UAH, RUB, EUR </a:t>
-            </a:r>
-            <a:r>
-              <a:rPr lang="nb-NO" dirty="0"/>
-              <a:t>and </a:t>
-            </a:r>
-            <a:r>
-              <a:rPr lang="nb-NO" dirty="0" smtClean="0"/>
-              <a:t>USD</a:t>
-            </a:r>
-            <a:endParaRPr lang="nb-NO" dirty="0"/>
+              <a:t>, format 1.234.567,89 for NOK, UAH, RUB, EUR and USD</a:t>
+            </a:r>
           </a:p>
           <a:p>
             <a:endParaRPr lang="nb-NO" dirty="0"/>
@@ -6905,18 +6833,22 @@
               <a:t>, 48 </a:t>
             </a:r>
             <a:r>
-              <a:rPr lang="nb-NO" dirty="0" err="1" smtClean="0"/>
+              <a:rPr lang="nb-NO" dirty="0" err="1"/>
               <a:t>charachers</a:t>
             </a:r>
-            <a:endParaRPr lang="nb-NO" dirty="0" smtClean="0"/>
-          </a:p>
-          <a:p>
-            <a:r>
-              <a:rPr lang="nb-NO" dirty="0" err="1" smtClean="0"/>
+            <a:endParaRPr lang="nb-NO" dirty="0"/>
+          </a:p>
+          <a:p>
+            <a:r>
+              <a:rPr lang="nb-NO" dirty="0" err="1">
+                <a:solidFill>
+                  <a:srgbClr val="FFC000"/>
+                </a:solidFill>
+              </a:rPr>
               <a:t>Born</a:t>
             </a:r>
             <a:r>
-              <a:rPr lang="nb-NO" dirty="0" smtClean="0"/>
+              <a:rPr lang="nb-NO" dirty="0"/>
               <a:t>		</a:t>
             </a:r>
             <a:r>
@@ -6925,26 +6857,118 @@
             </a:r>
             <a:r>
               <a:rPr lang="nb-NO" dirty="0"/>
-              <a:t>, format </a:t>
-            </a:r>
-            <a:r>
-              <a:rPr lang="nb-NO" dirty="0" smtClean="0"/>
-              <a:t>04.11.19</a:t>
+              <a:t>, format 04.11.19</a:t>
+            </a:r>
+          </a:p>
+          <a:p>
+            <a:r>
+              <a:rPr lang="nb-NO" dirty="0"/>
+              <a:t>Family		</a:t>
+            </a:r>
+            <a:r>
+              <a:rPr lang="nb-NO" dirty="0" err="1"/>
+              <a:t>alpha</a:t>
+            </a:r>
+            <a:r>
+              <a:rPr lang="nb-NO" dirty="0"/>
+              <a:t>, 480 </a:t>
+            </a:r>
+            <a:r>
+              <a:rPr lang="nb-NO" dirty="0" err="1"/>
+              <a:t>characters</a:t>
             </a:r>
             <a:endParaRPr lang="nb-NO" dirty="0"/>
           </a:p>
           <a:p>
             <a:r>
               <a:rPr lang="nb-NO" dirty="0"/>
-              <a:t>Family		</a:t>
-            </a:r>
-            <a:r>
-              <a:rPr lang="nb-NO" dirty="0" err="1"/>
-              <a:t>alpha</a:t>
-            </a:r>
-            <a:r>
-              <a:rPr lang="nb-NO" dirty="0"/>
-              <a:t>, 480 </a:t>
+              <a:t>Income		</a:t>
+            </a:r>
+            <a:r>
+              <a:rPr lang="nb-NO" dirty="0" err="1"/>
+              <a:t>numeric</a:t>
+            </a:r>
+            <a:r>
+              <a:rPr lang="nb-NO" dirty="0"/>
+              <a:t>, format 12.345,67</a:t>
+            </a:r>
+          </a:p>
+          <a:p>
+            <a:r>
+              <a:rPr lang="nb-NO" dirty="0">
+                <a:solidFill>
+                  <a:srgbClr val="FFC000"/>
+                </a:solidFill>
+              </a:rPr>
+              <a:t>Income type	</a:t>
+            </a:r>
+            <a:r>
+              <a:rPr lang="nb-NO" dirty="0" err="1">
+                <a:solidFill>
+                  <a:srgbClr val="FFC000"/>
+                </a:solidFill>
+              </a:rPr>
+              <a:t>Salary</a:t>
+            </a:r>
+            <a:r>
+              <a:rPr lang="nb-NO" dirty="0">
+                <a:solidFill>
+                  <a:srgbClr val="FFC000"/>
+                </a:solidFill>
+              </a:rPr>
+              <a:t>, </a:t>
+            </a:r>
+            <a:r>
+              <a:rPr lang="nb-NO" dirty="0" err="1">
+                <a:solidFill>
+                  <a:srgbClr val="FFC000"/>
+                </a:solidFill>
+              </a:rPr>
+              <a:t>Pension</a:t>
+            </a:r>
+            <a:r>
+              <a:rPr lang="nb-NO" dirty="0">
+                <a:solidFill>
+                  <a:srgbClr val="FFC000"/>
+                </a:solidFill>
+              </a:rPr>
+              <a:t>, None</a:t>
+            </a:r>
+          </a:p>
+          <a:p>
+            <a:r>
+              <a:rPr lang="nb-NO" dirty="0" err="1">
+                <a:solidFill>
+                  <a:srgbClr val="FFC000"/>
+                </a:solidFill>
+              </a:rPr>
+              <a:t>Currency</a:t>
+            </a:r>
+            <a:r>
+              <a:rPr lang="nb-NO" dirty="0">
+                <a:solidFill>
+                  <a:srgbClr val="FFC000"/>
+                </a:solidFill>
+              </a:rPr>
+              <a:t>	UAH or RUB</a:t>
+            </a:r>
+          </a:p>
+          <a:p>
+            <a:r>
+              <a:rPr lang="nb-NO" dirty="0" err="1"/>
+              <a:t>Description</a:t>
+            </a:r>
+            <a:r>
+              <a:rPr lang="nb-NO" dirty="0"/>
+              <a:t>	</a:t>
+            </a:r>
+            <a:r>
+              <a:rPr lang="nb-NO" dirty="0" err="1"/>
+              <a:t>alphanumeric</a:t>
+            </a:r>
+            <a:r>
+              <a:rPr lang="nb-NO" dirty="0"/>
+              <a:t>, 2000 </a:t>
             </a:r>
             <a:r>
               <a:rPr lang="nb-NO" dirty="0" err="1"/>
@@ -6954,81 +6978,7 @@
           </a:p>
           <a:p>
             <a:r>
-              <a:rPr lang="nb-NO" dirty="0"/>
-              <a:t>Income		</a:t>
-            </a:r>
-            <a:r>
-              <a:rPr lang="nb-NO" dirty="0" err="1"/>
-              <a:t>numeric</a:t>
-            </a:r>
-            <a:r>
-              <a:rPr lang="nb-NO" dirty="0"/>
-              <a:t>, format </a:t>
-            </a:r>
-            <a:r>
-              <a:rPr lang="nb-NO" dirty="0" smtClean="0"/>
-              <a:t>12.345,67</a:t>
-            </a:r>
-          </a:p>
-          <a:p>
-            <a:r>
-              <a:rPr lang="nb-NO" dirty="0" smtClean="0"/>
-              <a:t>Income type	</a:t>
-            </a:r>
-            <a:r>
-              <a:rPr lang="nb-NO" dirty="0" err="1" smtClean="0"/>
-              <a:t>Salary</a:t>
-            </a:r>
-            <a:r>
-              <a:rPr lang="nb-NO" dirty="0" smtClean="0"/>
-              <a:t>, </a:t>
-            </a:r>
-            <a:r>
-              <a:rPr lang="nb-NO" dirty="0" err="1" smtClean="0"/>
-              <a:t>Pension</a:t>
-            </a:r>
-            <a:r>
-              <a:rPr lang="nb-NO" dirty="0" smtClean="0"/>
-              <a:t>, None</a:t>
-            </a:r>
-          </a:p>
-          <a:p>
-            <a:r>
-              <a:rPr lang="nb-NO" dirty="0" err="1" smtClean="0"/>
-              <a:t>Currency</a:t>
-            </a:r>
-            <a:r>
-              <a:rPr lang="nb-NO" dirty="0" smtClean="0"/>
-              <a:t>	UAH or RUB</a:t>
-            </a:r>
-            <a:endParaRPr lang="nb-NO" dirty="0"/>
-          </a:p>
-          <a:p>
-            <a:r>
-              <a:rPr lang="nb-NO" dirty="0" err="1"/>
-              <a:t>Description</a:t>
-            </a:r>
-            <a:r>
-              <a:rPr lang="nb-NO" dirty="0"/>
-              <a:t>	</a:t>
-            </a:r>
-            <a:r>
-              <a:rPr lang="nb-NO" dirty="0" err="1"/>
-              <a:t>alphanumeric</a:t>
-            </a:r>
-            <a:r>
-              <a:rPr lang="nb-NO" dirty="0"/>
-              <a:t>, 2000 </a:t>
-            </a:r>
-            <a:r>
-              <a:rPr lang="nb-NO" dirty="0" err="1"/>
-              <a:t>characters</a:t>
-            </a:r>
-            <a:endParaRPr lang="nb-NO" dirty="0"/>
-          </a:p>
-          <a:p>
-            <a:r>
-              <a:rPr lang="nb-NO" dirty="0" smtClean="0">
+              <a:rPr lang="nb-NO" dirty="0">
                 <a:solidFill>
                   <a:srgbClr val="FFC000"/>
                 </a:solidFill>
@@ -7149,13 +7099,8 @@
             </a:r>
             <a:r>
               <a:rPr lang="nb-NO" dirty="0"/>
-              <a:t>: </a:t>
-            </a:r>
-            <a:r>
-              <a:rPr lang="nb-NO" dirty="0" smtClean="0"/>
-              <a:t>User</a:t>
-            </a:r>
-            <a:endParaRPr lang="nb-NO" dirty="0"/>
+              <a:t>: User</a:t>
+            </a:r>
           </a:p>
         </p:txBody>
       </p:sp>
@@ -7471,13 +7416,8 @@
           <a:p>
             <a:r>
               <a:rPr lang="nb-NO" dirty="0"/>
-              <a:t>Table: </a:t>
-            </a:r>
-            <a:r>
-              <a:rPr lang="nb-NO" dirty="0" smtClean="0"/>
-              <a:t>MEMBER</a:t>
-            </a:r>
-            <a:endParaRPr lang="nb-NO" dirty="0"/>
+              <a:t>Table: MEMBER</a:t>
+            </a:r>
           </a:p>
         </p:txBody>
       </p:sp>
@@ -7519,65 +7459,20 @@
               <a:t>, 48 </a:t>
             </a:r>
             <a:r>
-              <a:rPr lang="nb-NO" dirty="0" err="1" smtClean="0"/>
+              <a:rPr lang="nb-NO" dirty="0" err="1"/>
               <a:t>characters</a:t>
             </a:r>
-            <a:endParaRPr lang="nb-NO" dirty="0" smtClean="0"/>
-          </a:p>
-          <a:p>
-            <a:r>
-              <a:rPr lang="nb-NO" dirty="0" smtClean="0">
-                <a:solidFill>
-                  <a:srgbClr val="FFC000"/>
-                </a:solidFill>
-              </a:rPr>
-              <a:t>Kind		Mandatory, </a:t>
-            </a:r>
-            <a:r>
-              <a:rPr lang="nb-NO" dirty="0" smtClean="0">
-                <a:solidFill>
-                  <a:srgbClr val="FFC000"/>
-                </a:solidFill>
-              </a:rPr>
-              <a:t>values: 1)Unknown</a:t>
-            </a:r>
-            <a:r>
-              <a:rPr lang="nb-NO" dirty="0" smtClean="0">
-                <a:solidFill>
-                  <a:srgbClr val="FFC000"/>
-                </a:solidFill>
-              </a:rPr>
-              <a:t>, </a:t>
-            </a:r>
-            <a:r>
-              <a:rPr lang="nb-NO" dirty="0" smtClean="0">
-                <a:solidFill>
-                  <a:srgbClr val="FFC000"/>
-                </a:solidFill>
-              </a:rPr>
-              <a:t>2)Donor</a:t>
-            </a:r>
-            <a:r>
-              <a:rPr lang="nb-NO" dirty="0" smtClean="0">
-                <a:solidFill>
-                  <a:srgbClr val="FFC000"/>
-                </a:solidFill>
-              </a:rPr>
-              <a:t>, </a:t>
-            </a:r>
-            <a:r>
-              <a:rPr lang="nb-NO" dirty="0" smtClean="0">
-                <a:solidFill>
-                  <a:srgbClr val="FFC000"/>
-                </a:solidFill>
-              </a:rPr>
-              <a:t>3)Regular donor, 4)Member</a:t>
-            </a:r>
-            <a:endParaRPr lang="nb-NO" dirty="0">
-              <a:solidFill>
-                <a:srgbClr val="FFC000"/>
-              </a:solidFill>
-            </a:endParaRPr>
+            <a:endParaRPr lang="nb-NO" dirty="0"/>
+          </a:p>
+          <a:p>
+            <a:r>
+              <a:rPr lang="nb-NO" dirty="0">
+                <a:solidFill>
+                  <a:srgbClr val="FFC000"/>
+                </a:solidFill>
+              </a:rPr>
+              <a:t>Kind		Mandatory, values: 1)Unknown, 2)Donor, 3)Regular donor, 4)Member</a:t>
+            </a:r>
           </a:p>
           <a:p>
             <a:r>
@@ -7691,7 +7586,7 @@
           <a:lstStyle/>
           <a:p>
             <a:r>
-              <a:rPr lang="en-US" dirty="0" smtClean="0"/>
+              <a:rPr lang="en-US" dirty="0"/>
               <a:t>Html page: MEMBER is reflected as DONOR</a:t>
             </a:r>
             <a:endParaRPr lang="uk-UA" dirty="0"/>
@@ -7786,7 +7681,7 @@
           <a:lstStyle/>
           <a:p>
             <a:r>
-              <a:rPr lang="nb-NO" dirty="0" smtClean="0"/>
+              <a:rPr lang="nb-NO" dirty="0"/>
               <a:t>Administrator </a:t>
             </a:r>
             <a:r>
@@ -7884,7 +7779,7 @@
               <a:t> report in CSV </a:t>
             </a:r>
             <a:r>
-              <a:rPr lang="nb-NO" dirty="0" smtClean="0">
+              <a:rPr lang="nb-NO" dirty="0">
                 <a:solidFill>
                   <a:srgbClr val="FFC000"/>
                 </a:solidFill>
@@ -7892,7 +7787,7 @@
               <a:t>(XLSX </a:t>
             </a:r>
             <a:r>
-              <a:rPr lang="nb-NO" dirty="0" err="1" smtClean="0">
+              <a:rPr lang="nb-NO" dirty="0" err="1">
                 <a:solidFill>
                   <a:srgbClr val="FFC000"/>
                 </a:solidFill>
@@ -7900,7 +7795,7 @@
               <a:t>would</a:t>
             </a:r>
             <a:r>
-              <a:rPr lang="nb-NO" dirty="0" smtClean="0">
+              <a:rPr lang="nb-NO" dirty="0">
                 <a:solidFill>
                   <a:srgbClr val="FFC000"/>
                 </a:solidFill>
@@ -7908,7 +7803,7 @@
               <a:t> be a </a:t>
             </a:r>
             <a:r>
-              <a:rPr lang="nb-NO" dirty="0" err="1" smtClean="0">
+              <a:rPr lang="nb-NO" dirty="0" err="1">
                 <a:solidFill>
                   <a:srgbClr val="FFC000"/>
                 </a:solidFill>
@@ -7916,7 +7811,7 @@
               <a:t>plus</a:t>
             </a:r>
             <a:r>
-              <a:rPr lang="nb-NO" dirty="0" smtClean="0">
+              <a:rPr lang="nb-NO" dirty="0">
                 <a:solidFill>
                   <a:srgbClr val="FFC000"/>
                 </a:solidFill>
@@ -7924,7 +7819,7 @@
               <a:t>)</a:t>
             </a:r>
             <a:r>
-              <a:rPr lang="nb-NO" dirty="0" smtClean="0"/>
+              <a:rPr lang="nb-NO" dirty="0"/>
               <a:t> format </a:t>
             </a:r>
             <a:r>
@@ -7936,7 +7831,7 @@
               <a:t> date, </a:t>
             </a:r>
             <a:r>
-              <a:rPr lang="nb-NO" dirty="0" smtClean="0">
+              <a:rPr lang="nb-NO" dirty="0">
                 <a:solidFill>
                   <a:srgbClr val="FFC000"/>
                 </a:solidFill>
@@ -7944,7 +7839,7 @@
               <a:t>NOK</a:t>
             </a:r>
             <a:r>
-              <a:rPr lang="nb-NO" dirty="0" smtClean="0"/>
+              <a:rPr lang="nb-NO" dirty="0"/>
               <a:t>, </a:t>
             </a:r>
             <a:r>
@@ -7964,7 +7859,7 @@
               <a:t>, FU, Donor (up to </a:t>
             </a:r>
             <a:r>
-              <a:rPr lang="nb-NO" dirty="0" smtClean="0">
+              <a:rPr lang="nb-NO" dirty="0">
                 <a:solidFill>
                   <a:srgbClr val="FFC000"/>
                 </a:solidFill>
@@ -7972,12 +7867,8 @@
               <a:t>8</a:t>
             </a:r>
             <a:r>
-              <a:rPr lang="nb-NO" dirty="0" smtClean="0"/>
-              <a:t>), </a:t>
-            </a:r>
-            <a:r>
-              <a:rPr lang="nb-NO" dirty="0"/>
-              <a:t>donor </a:t>
+              <a:rPr lang="nb-NO" dirty="0"/>
+              <a:t>), donor </a:t>
             </a:r>
             <a:r>
               <a:rPr lang="nb-NO" dirty="0" err="1"/>
@@ -7988,15 +7879,15 @@
               <a:t> &amp; Donor </a:t>
             </a:r>
             <a:r>
-              <a:rPr lang="nb-NO" dirty="0" err="1" smtClean="0"/>
+              <a:rPr lang="nb-NO" dirty="0" err="1"/>
               <a:t>duration</a:t>
             </a:r>
-            <a:endParaRPr lang="nb-NO" dirty="0" smtClean="0"/>
+            <a:endParaRPr lang="nb-NO" dirty="0"/>
           </a:p>
           <a:p>
             <a:pPr lvl="2"/>
             <a:r>
-              <a:rPr lang="nb-NO" dirty="0" err="1" smtClean="0">
+              <a:rPr lang="nb-NO" dirty="0" err="1">
                 <a:solidFill>
                   <a:srgbClr val="FFC000"/>
                 </a:solidFill>
@@ -8004,15 +7895,15 @@
               <a:t>Selectable</a:t>
             </a:r>
             <a:r>
-              <a:rPr lang="nb-NO" dirty="0" smtClean="0">
-                <a:solidFill>
-                  <a:srgbClr val="FFC000"/>
-                </a:solidFill>
-              </a:rPr>
-              <a:t> </a:t>
-            </a:r>
-            <a:r>
-              <a:rPr lang="nb-NO" dirty="0" err="1" smtClean="0">
+              <a:rPr lang="nb-NO" dirty="0">
+                <a:solidFill>
+                  <a:srgbClr val="FFC000"/>
+                </a:solidFill>
+              </a:rPr>
+              <a:t> </a:t>
+            </a:r>
+            <a:r>
+              <a:rPr lang="nb-NO" dirty="0" err="1">
                 <a:solidFill>
                   <a:srgbClr val="FFC000"/>
                 </a:solidFill>
@@ -8020,7 +7911,7 @@
               <a:t>fields</a:t>
             </a:r>
             <a:r>
-              <a:rPr lang="nb-NO" dirty="0" smtClean="0">
+              <a:rPr lang="nb-NO" dirty="0">
                 <a:solidFill>
                   <a:srgbClr val="FFC000"/>
                 </a:solidFill>
@@ -8028,7 +7919,7 @@
               <a:t> for </a:t>
             </a:r>
             <a:r>
-              <a:rPr lang="nb-NO" dirty="0" err="1" smtClean="0">
+              <a:rPr lang="nb-NO" dirty="0" err="1">
                 <a:solidFill>
                   <a:srgbClr val="FFC000"/>
                 </a:solidFill>
@@ -8036,7 +7927,7 @@
               <a:t>export</a:t>
             </a:r>
             <a:r>
-              <a:rPr lang="nb-NO" dirty="0" smtClean="0">
+              <a:rPr lang="nb-NO" dirty="0">
                 <a:solidFill>
                   <a:srgbClr val="FFC000"/>
                 </a:solidFill>
@@ -8044,7 +7935,7 @@
               <a:t> a major </a:t>
             </a:r>
             <a:r>
-              <a:rPr lang="nb-NO" dirty="0" err="1" smtClean="0">
+              <a:rPr lang="nb-NO" dirty="0" err="1">
                 <a:solidFill>
                   <a:srgbClr val="FFC000"/>
                 </a:solidFill>
@@ -8061,53 +7952,167 @@
             <a:pPr lvl="1"/>
             <a:r>
               <a:rPr lang="nb-NO" dirty="0"/>
-              <a:t>Update </a:t>
-            </a:r>
-            <a:r>
-              <a:rPr lang="nb-NO" dirty="0" smtClean="0"/>
-              <a:t>donor roster</a:t>
+              <a:t>Update donor roster</a:t>
+            </a:r>
+          </a:p>
+          <a:p>
+            <a:r>
+              <a:rPr lang="nb-NO" dirty="0"/>
+              <a:t>FU </a:t>
+            </a:r>
+            <a:r>
+              <a:rPr lang="nb-NO" dirty="0" err="1"/>
+              <a:t>shall</a:t>
+            </a:r>
+            <a:r>
+              <a:rPr lang="nb-NO" dirty="0"/>
+              <a:t> be </a:t>
+            </a:r>
+            <a:r>
+              <a:rPr lang="nb-NO" dirty="0" err="1"/>
+              <a:t>able</a:t>
+            </a:r>
+            <a:r>
+              <a:rPr lang="nb-NO" dirty="0"/>
+              <a:t> to:</a:t>
+            </a:r>
+          </a:p>
+          <a:p>
+            <a:pPr lvl="1"/>
+            <a:r>
+              <a:rPr lang="nb-NO" dirty="0" err="1"/>
+              <a:t>View</a:t>
+            </a:r>
+            <a:r>
+              <a:rPr lang="nb-NO" dirty="0"/>
+              <a:t> and </a:t>
+            </a:r>
+            <a:r>
+              <a:rPr lang="nb-NO" dirty="0" err="1"/>
+              <a:t>edit</a:t>
+            </a:r>
+            <a:r>
+              <a:rPr lang="nb-NO" dirty="0"/>
+              <a:t> all </a:t>
+            </a:r>
+            <a:r>
+              <a:rPr lang="nb-NO" dirty="0" err="1"/>
+              <a:t>projects</a:t>
+            </a:r>
+            <a:r>
+              <a:rPr lang="nb-NO" dirty="0"/>
+              <a:t> </a:t>
+            </a:r>
+            <a:r>
+              <a:rPr lang="nb-NO" dirty="0" err="1"/>
+              <a:t>she</a:t>
+            </a:r>
+            <a:r>
+              <a:rPr lang="nb-NO" dirty="0"/>
+              <a:t>/</a:t>
+            </a:r>
+            <a:r>
+              <a:rPr lang="nb-NO" dirty="0" err="1"/>
+              <a:t>he</a:t>
+            </a:r>
+            <a:r>
+              <a:rPr lang="nb-NO" dirty="0"/>
+              <a:t> is </a:t>
+            </a:r>
+            <a:r>
+              <a:rPr lang="nb-NO" dirty="0" err="1"/>
+              <a:t>responsible</a:t>
+            </a:r>
+            <a:r>
+              <a:rPr lang="nb-NO" dirty="0"/>
+              <a:t> for a </a:t>
+            </a:r>
+            <a:r>
+              <a:rPr lang="nb-NO" dirty="0" err="1"/>
+              <a:t>detailed</a:t>
+            </a:r>
+            <a:r>
+              <a:rPr lang="nb-NO" dirty="0"/>
+              <a:t> </a:t>
+            </a:r>
+            <a:r>
+              <a:rPr lang="nb-NO" dirty="0" err="1"/>
+              <a:t>view</a:t>
+            </a:r>
+            <a:r>
+              <a:rPr lang="nb-NO" dirty="0"/>
+              <a:t> </a:t>
+            </a:r>
+            <a:r>
+              <a:rPr lang="nb-NO" dirty="0" err="1"/>
+              <a:t>on</a:t>
+            </a:r>
+            <a:r>
+              <a:rPr lang="nb-NO" dirty="0"/>
+              <a:t> </a:t>
+            </a:r>
+            <a:r>
+              <a:rPr lang="nb-NO" dirty="0" err="1"/>
+              <a:t>one</a:t>
+            </a:r>
+            <a:r>
+              <a:rPr lang="nb-NO" dirty="0"/>
+              <a:t> </a:t>
+            </a:r>
+            <a:r>
+              <a:rPr lang="nb-NO" dirty="0" err="1"/>
+              <a:t>particular</a:t>
             </a:r>
             <a:endParaRPr lang="nb-NO" dirty="0"/>
           </a:p>
           <a:p>
-            <a:r>
-              <a:rPr lang="nb-NO" dirty="0"/>
-              <a:t>FU </a:t>
-            </a:r>
-            <a:r>
-              <a:rPr lang="nb-NO" dirty="0" err="1"/>
-              <a:t>shall</a:t>
-            </a:r>
-            <a:r>
-              <a:rPr lang="nb-NO" dirty="0"/>
-              <a:t> be </a:t>
-            </a:r>
-            <a:r>
-              <a:rPr lang="nb-NO" dirty="0" err="1"/>
-              <a:t>able</a:t>
-            </a:r>
-            <a:r>
-              <a:rPr lang="nb-NO" dirty="0"/>
-              <a:t> to:</a:t>
-            </a:r>
-          </a:p>
-          <a:p>
             <a:pPr lvl="1"/>
             <a:r>
               <a:rPr lang="nb-NO" dirty="0" err="1"/>
-              <a:t>View</a:t>
-            </a:r>
-            <a:r>
-              <a:rPr lang="nb-NO" dirty="0"/>
-              <a:t> and </a:t>
-            </a:r>
-            <a:r>
-              <a:rPr lang="nb-NO" dirty="0" err="1"/>
-              <a:t>edit</a:t>
-            </a:r>
-            <a:r>
-              <a:rPr lang="nb-NO" dirty="0"/>
-              <a:t> all </a:t>
+              <a:t>Change</a:t>
+            </a:r>
+            <a:r>
+              <a:rPr lang="nb-NO" dirty="0"/>
+              <a:t> status for a </a:t>
+            </a:r>
+            <a:r>
+              <a:rPr lang="nb-NO" dirty="0" err="1"/>
+              <a:t>project</a:t>
+            </a:r>
+            <a:r>
+              <a:rPr lang="nb-NO" dirty="0"/>
+              <a:t> (log </a:t>
+            </a:r>
+            <a:r>
+              <a:rPr lang="nb-NO" dirty="0" err="1"/>
+              <a:t>of</a:t>
+            </a:r>
+            <a:r>
+              <a:rPr lang="nb-NO" dirty="0"/>
+              <a:t> status must be </a:t>
+            </a:r>
+            <a:r>
+              <a:rPr lang="nb-NO" dirty="0" err="1"/>
+              <a:t>maintained</a:t>
+            </a:r>
+            <a:r>
+              <a:rPr lang="nb-NO" dirty="0"/>
+              <a:t>)</a:t>
+            </a:r>
+          </a:p>
+          <a:p>
+            <a:pPr lvl="1"/>
+            <a:r>
+              <a:rPr lang="nb-NO" dirty="0"/>
+              <a:t>Register </a:t>
+            </a:r>
+            <a:r>
+              <a:rPr lang="nb-NO" dirty="0" err="1"/>
+              <a:t>new</a:t>
+            </a:r>
+            <a:r>
+              <a:rPr lang="nb-NO" dirty="0"/>
+              <a:t> </a:t>
             </a:r>
             <a:r>
               <a:rPr lang="nb-NO" dirty="0" err="1"/>
@@ -8115,133 +8120,10 @@
             </a:r>
             <a:r>
               <a:rPr lang="nb-NO" dirty="0"/>
-              <a:t> </a:t>
-            </a:r>
-            <a:r>
-              <a:rPr lang="nb-NO" dirty="0" err="1"/>
-              <a:t>she</a:t>
-            </a:r>
-            <a:r>
-              <a:rPr lang="nb-NO" dirty="0"/>
-              <a:t>/</a:t>
-            </a:r>
-            <a:r>
-              <a:rPr lang="nb-NO" dirty="0" err="1"/>
-              <a:t>he</a:t>
-            </a:r>
-            <a:r>
-              <a:rPr lang="nb-NO" dirty="0"/>
-              <a:t> is </a:t>
-            </a:r>
-            <a:r>
-              <a:rPr lang="nb-NO" dirty="0" err="1" smtClean="0"/>
-              <a:t>responsible</a:t>
-            </a:r>
-            <a:r>
-              <a:rPr lang="nb-NO" dirty="0" smtClean="0"/>
-              <a:t> for </a:t>
-            </a:r>
-            <a:r>
-              <a:rPr lang="nb-NO" dirty="0"/>
-              <a:t>a </a:t>
-            </a:r>
-            <a:r>
-              <a:rPr lang="nb-NO" dirty="0" err="1"/>
-              <a:t>detailed</a:t>
-            </a:r>
-            <a:r>
-              <a:rPr lang="nb-NO" dirty="0"/>
-              <a:t> </a:t>
-            </a:r>
-            <a:r>
-              <a:rPr lang="nb-NO" dirty="0" err="1"/>
-              <a:t>view</a:t>
-            </a:r>
-            <a:r>
-              <a:rPr lang="nb-NO" dirty="0"/>
-              <a:t> </a:t>
-            </a:r>
-            <a:r>
-              <a:rPr lang="nb-NO" dirty="0" err="1"/>
-              <a:t>on</a:t>
-            </a:r>
-            <a:r>
-              <a:rPr lang="nb-NO" dirty="0"/>
-              <a:t> </a:t>
-            </a:r>
-            <a:r>
-              <a:rPr lang="nb-NO" dirty="0" err="1"/>
-              <a:t>one</a:t>
-            </a:r>
-            <a:r>
-              <a:rPr lang="nb-NO" dirty="0"/>
-              <a:t> </a:t>
-            </a:r>
-            <a:r>
-              <a:rPr lang="nb-NO" dirty="0" err="1"/>
-              <a:t>particular</a:t>
-            </a:r>
-            <a:endParaRPr lang="nb-NO" dirty="0"/>
-          </a:p>
-          <a:p>
-            <a:pPr lvl="1"/>
-            <a:r>
-              <a:rPr lang="nb-NO" dirty="0" err="1"/>
-              <a:t>Change</a:t>
-            </a:r>
-            <a:r>
-              <a:rPr lang="nb-NO" dirty="0"/>
-              <a:t> status for a </a:t>
-            </a:r>
-            <a:r>
-              <a:rPr lang="nb-NO" dirty="0" err="1"/>
-              <a:t>project</a:t>
-            </a:r>
-            <a:r>
-              <a:rPr lang="nb-NO" dirty="0"/>
-              <a:t> (log </a:t>
-            </a:r>
-            <a:r>
-              <a:rPr lang="nb-NO" dirty="0" err="1"/>
-              <a:t>of</a:t>
-            </a:r>
-            <a:r>
-              <a:rPr lang="nb-NO" dirty="0"/>
-              <a:t> status must be </a:t>
-            </a:r>
-            <a:r>
-              <a:rPr lang="nb-NO" dirty="0" err="1"/>
-              <a:t>maintained</a:t>
-            </a:r>
-            <a:r>
-              <a:rPr lang="nb-NO" dirty="0"/>
-              <a:t>)</a:t>
-            </a:r>
-          </a:p>
-          <a:p>
-            <a:pPr lvl="1"/>
-            <a:r>
-              <a:rPr lang="nb-NO" dirty="0"/>
-              <a:t>Register </a:t>
-            </a:r>
-            <a:r>
-              <a:rPr lang="nb-NO" dirty="0" err="1"/>
-              <a:t>new</a:t>
-            </a:r>
-            <a:r>
-              <a:rPr lang="nb-NO" dirty="0"/>
-              <a:t> </a:t>
-            </a:r>
-            <a:r>
-              <a:rPr lang="nb-NO" dirty="0" err="1" smtClean="0"/>
-              <a:t>projects</a:t>
-            </a:r>
-            <a:r>
-              <a:rPr lang="nb-NO" dirty="0" smtClean="0"/>
               <a:t>, </a:t>
             </a:r>
             <a:r>
-              <a:rPr lang="nb-NO" dirty="0" err="1" smtClean="0">
+              <a:rPr lang="nb-NO" dirty="0" err="1">
                 <a:solidFill>
                   <a:srgbClr val="FFC000"/>
                 </a:solidFill>
@@ -8249,18 +8131,13 @@
               <a:t>beneficiaries</a:t>
             </a:r>
             <a:r>
-              <a:rPr lang="nb-NO" dirty="0" smtClean="0">
+              <a:rPr lang="nb-NO" dirty="0">
                 <a:solidFill>
                   <a:srgbClr val="FFC000"/>
                 </a:solidFill>
               </a:rPr>
               <a:t>, donors</a:t>
             </a:r>
-            <a:endParaRPr lang="nb-NO" dirty="0">
-              <a:solidFill>
-                <a:srgbClr val="FFC000"/>
-              </a:solidFill>
-            </a:endParaRPr>
           </a:p>
           <a:p>
             <a:pPr lvl="1"/>
@@ -8492,17 +8369,13 @@
             </a:r>
             <a:r>
               <a:rPr lang="nb-NO" dirty="0"/>
-              <a:t> </a:t>
-            </a:r>
-            <a:r>
-              <a:rPr lang="nb-NO" dirty="0" smtClean="0"/>
-              <a:t>for</a:t>
+              <a:t> for</a:t>
             </a:r>
           </a:p>
           <a:p>
             <a:pPr lvl="1"/>
             <a:r>
-              <a:rPr lang="nb-NO" dirty="0" smtClean="0">
+              <a:rPr lang="nb-NO" dirty="0">
                 <a:solidFill>
                   <a:srgbClr val="FFC000"/>
                 </a:solidFill>
@@ -8510,7 +8383,7 @@
               <a:t>Register, </a:t>
             </a:r>
             <a:r>
-              <a:rPr lang="nb-NO" dirty="0" err="1" smtClean="0">
+              <a:rPr lang="nb-NO" dirty="0" err="1">
                 <a:solidFill>
                   <a:srgbClr val="FFC000"/>
                 </a:solidFill>
@@ -8518,7 +8391,7 @@
               <a:t>edit</a:t>
             </a:r>
             <a:r>
-              <a:rPr lang="nb-NO" dirty="0" smtClean="0">
+              <a:rPr lang="nb-NO" dirty="0">
                 <a:solidFill>
                   <a:srgbClr val="FFC000"/>
                 </a:solidFill>
@@ -8526,7 +8399,7 @@
               <a:t> and </a:t>
             </a:r>
             <a:r>
-              <a:rPr lang="nb-NO" dirty="0" err="1" smtClean="0">
+              <a:rPr lang="nb-NO" dirty="0" err="1">
                 <a:solidFill>
                   <a:srgbClr val="FFC000"/>
                 </a:solidFill>
@@ -8534,15 +8407,15 @@
               <a:t>view</a:t>
             </a:r>
             <a:r>
-              <a:rPr lang="nb-NO" dirty="0" smtClean="0">
-                <a:solidFill>
-                  <a:srgbClr val="FFC000"/>
-                </a:solidFill>
-              </a:rPr>
-              <a:t> </a:t>
-            </a:r>
-            <a:r>
-              <a:rPr lang="nb-NO" dirty="0" err="1" smtClean="0">
+              <a:rPr lang="nb-NO" dirty="0">
+                <a:solidFill>
+                  <a:srgbClr val="FFC000"/>
+                </a:solidFill>
+              </a:rPr>
+              <a:t> </a:t>
+            </a:r>
+            <a:r>
+              <a:rPr lang="nb-NO" dirty="0" err="1">
                 <a:solidFill>
                   <a:srgbClr val="FFC000"/>
                 </a:solidFill>
@@ -8550,15 +8423,15 @@
               <a:t>each</a:t>
             </a:r>
             <a:r>
-              <a:rPr lang="nb-NO" dirty="0" smtClean="0">
-                <a:solidFill>
-                  <a:srgbClr val="FFC000"/>
-                </a:solidFill>
-              </a:rPr>
-              <a:t> </a:t>
-            </a:r>
-            <a:r>
-              <a:rPr lang="nb-NO" dirty="0" err="1" smtClean="0">
+              <a:rPr lang="nb-NO" dirty="0">
+                <a:solidFill>
+                  <a:srgbClr val="FFC000"/>
+                </a:solidFill>
+              </a:rPr>
+              <a:t> </a:t>
+            </a:r>
+            <a:r>
+              <a:rPr lang="nb-NO" dirty="0" err="1">
                 <a:solidFill>
                   <a:srgbClr val="FFC000"/>
                 </a:solidFill>
@@ -8566,15 +8439,15 @@
               <a:t>beneficiary</a:t>
             </a:r>
             <a:r>
-              <a:rPr lang="nb-NO" dirty="0" smtClean="0">
-                <a:solidFill>
-                  <a:srgbClr val="FFC000"/>
-                </a:solidFill>
-              </a:rPr>
-              <a:t> </a:t>
-            </a:r>
-            <a:r>
-              <a:rPr lang="nb-NO" dirty="0" err="1" smtClean="0">
+              <a:rPr lang="nb-NO" dirty="0">
+                <a:solidFill>
+                  <a:srgbClr val="FFC000"/>
+                </a:solidFill>
+              </a:rPr>
+              <a:t> </a:t>
+            </a:r>
+            <a:r>
+              <a:rPr lang="nb-NO" dirty="0" err="1">
                 <a:solidFill>
                   <a:srgbClr val="FFC000"/>
                 </a:solidFill>
@@ -8582,15 +8455,15 @@
               <a:t>the</a:t>
             </a:r>
             <a:r>
-              <a:rPr lang="nb-NO" dirty="0" smtClean="0">
-                <a:solidFill>
-                  <a:srgbClr val="FFC000"/>
-                </a:solidFill>
-              </a:rPr>
-              <a:t> </a:t>
-            </a:r>
-            <a:r>
-              <a:rPr lang="nb-NO" dirty="0" err="1" smtClean="0">
+              <a:rPr lang="nb-NO" dirty="0">
+                <a:solidFill>
+                  <a:srgbClr val="FFC000"/>
+                </a:solidFill>
+              </a:rPr>
+              <a:t> </a:t>
+            </a:r>
+            <a:r>
+              <a:rPr lang="nb-NO" dirty="0" err="1">
                 <a:solidFill>
                   <a:srgbClr val="FFC000"/>
                 </a:solidFill>
@@ -8598,15 +8471,15 @@
               <a:t>field</a:t>
             </a:r>
             <a:r>
-              <a:rPr lang="nb-NO" dirty="0" smtClean="0">
-                <a:solidFill>
-                  <a:srgbClr val="FFC000"/>
-                </a:solidFill>
-              </a:rPr>
-              <a:t> </a:t>
-            </a:r>
-            <a:r>
-              <a:rPr lang="nb-NO" dirty="0" err="1" smtClean="0">
+              <a:rPr lang="nb-NO" dirty="0">
+                <a:solidFill>
+                  <a:srgbClr val="FFC000"/>
+                </a:solidFill>
+              </a:rPr>
+              <a:t> </a:t>
+            </a:r>
+            <a:r>
+              <a:rPr lang="nb-NO" dirty="0" err="1">
                 <a:solidFill>
                   <a:srgbClr val="FFC000"/>
                 </a:solidFill>
@@ -8614,7 +8487,7 @@
               <a:t>contact</a:t>
             </a:r>
             <a:r>
-              <a:rPr lang="nb-NO" dirty="0" smtClean="0">
+              <a:rPr lang="nb-NO" dirty="0">
                 <a:solidFill>
                   <a:srgbClr val="FFC000"/>
                 </a:solidFill>
@@ -8622,7 +8495,7 @@
               <a:t> is </a:t>
             </a:r>
             <a:r>
-              <a:rPr lang="nb-NO" dirty="0" err="1" smtClean="0">
+              <a:rPr lang="nb-NO" dirty="0" err="1">
                 <a:solidFill>
                   <a:srgbClr val="FFC000"/>
                 </a:solidFill>
@@ -8630,18 +8503,13 @@
               <a:t>responsible</a:t>
             </a:r>
             <a:r>
-              <a:rPr lang="nb-NO" dirty="0" smtClean="0">
+              <a:rPr lang="nb-NO" dirty="0">
                 <a:solidFill>
                   <a:srgbClr val="FFC000"/>
                 </a:solidFill>
               </a:rPr>
               <a:t> for</a:t>
             </a:r>
-            <a:endParaRPr lang="nb-NO" dirty="0">
-              <a:solidFill>
-                <a:srgbClr val="FFC000"/>
-              </a:solidFill>
-            </a:endParaRPr>
           </a:p>
           <a:p>
             <a:pPr lvl="1"/>
@@ -8845,10 +8713,10 @@
               <a:t> status </a:t>
             </a:r>
             <a:r>
-              <a:rPr lang="nb-NO" dirty="0" err="1" smtClean="0"/>
+              <a:rPr lang="nb-NO" dirty="0" err="1"/>
               <a:t>idea</a:t>
             </a:r>
-            <a:endParaRPr lang="nb-NO" dirty="0" smtClean="0"/>
+            <a:endParaRPr lang="nb-NO" dirty="0"/>
           </a:p>
           <a:p>
             <a:pPr lvl="1"/>
@@ -8856,7 +8724,7 @@
           </a:p>
           <a:p>
             <a:r>
-              <a:rPr lang="nb-NO" dirty="0" smtClean="0">
+              <a:rPr lang="nb-NO" dirty="0">
                 <a:solidFill>
                   <a:srgbClr val="FFC000"/>
                 </a:solidFill>
@@ -8864,7 +8732,7 @@
               <a:t>Field </a:t>
             </a:r>
             <a:r>
-              <a:rPr lang="nb-NO" dirty="0" err="1" smtClean="0">
+              <a:rPr lang="nb-NO" dirty="0" err="1">
                 <a:solidFill>
                   <a:srgbClr val="FFC000"/>
                 </a:solidFill>
@@ -8872,15 +8740,15 @@
               <a:t>contact</a:t>
             </a:r>
             <a:r>
-              <a:rPr lang="nb-NO" dirty="0" smtClean="0">
-                <a:solidFill>
-                  <a:srgbClr val="FFC000"/>
-                </a:solidFill>
-              </a:rPr>
-              <a:t> </a:t>
-            </a:r>
-            <a:r>
-              <a:rPr lang="nb-NO" dirty="0" err="1" smtClean="0">
+              <a:rPr lang="nb-NO" dirty="0">
+                <a:solidFill>
+                  <a:srgbClr val="FFC000"/>
+                </a:solidFill>
+              </a:rPr>
+              <a:t> </a:t>
+            </a:r>
+            <a:r>
+              <a:rPr lang="nb-NO" dirty="0" err="1">
                 <a:solidFill>
                   <a:srgbClr val="FFC000"/>
                 </a:solidFill>
@@ -8888,7 +8756,7 @@
               <a:t>shall</a:t>
             </a:r>
             <a:r>
-              <a:rPr lang="nb-NO" dirty="0" smtClean="0">
+              <a:rPr lang="nb-NO" dirty="0">
                 <a:solidFill>
                   <a:srgbClr val="FFC000"/>
                 </a:solidFill>
@@ -8896,7 +8764,7 @@
               <a:t> not </a:t>
             </a:r>
             <a:r>
-              <a:rPr lang="nb-NO" dirty="0" err="1" smtClean="0">
+              <a:rPr lang="nb-NO" dirty="0" err="1">
                 <a:solidFill>
                   <a:srgbClr val="FFC000"/>
                 </a:solidFill>
@@ -8904,15 +8772,15 @@
               <a:t>see</a:t>
             </a:r>
             <a:r>
-              <a:rPr lang="nb-NO" dirty="0" smtClean="0">
-                <a:solidFill>
-                  <a:srgbClr val="FFC000"/>
-                </a:solidFill>
-              </a:rPr>
-              <a:t> </a:t>
-            </a:r>
-            <a:r>
-              <a:rPr lang="nb-NO" dirty="0" err="1" smtClean="0">
+              <a:rPr lang="nb-NO" dirty="0">
+                <a:solidFill>
+                  <a:srgbClr val="FFC000"/>
+                </a:solidFill>
+              </a:rPr>
+              <a:t> </a:t>
+            </a:r>
+            <a:r>
+              <a:rPr lang="nb-NO" dirty="0" err="1">
                 <a:solidFill>
                   <a:srgbClr val="FFC000"/>
                 </a:solidFill>
@@ -8920,7 +8788,7 @@
               <a:t>beneficiaries</a:t>
             </a:r>
             <a:r>
-              <a:rPr lang="nb-NO" dirty="0" smtClean="0">
+              <a:rPr lang="nb-NO" dirty="0">
                 <a:solidFill>
                   <a:srgbClr val="FFC000"/>
                 </a:solidFill>
@@ -8928,7 +8796,7 @@
               <a:t> and </a:t>
             </a:r>
             <a:r>
-              <a:rPr lang="nb-NO" dirty="0" err="1" smtClean="0">
+              <a:rPr lang="nb-NO" dirty="0" err="1">
                 <a:solidFill>
                   <a:srgbClr val="FFC000"/>
                 </a:solidFill>
@@ -8936,15 +8804,15 @@
               <a:t>projects</a:t>
             </a:r>
             <a:r>
-              <a:rPr lang="nb-NO" dirty="0" smtClean="0">
-                <a:solidFill>
-                  <a:srgbClr val="FFC000"/>
-                </a:solidFill>
-              </a:rPr>
-              <a:t> </a:t>
-            </a:r>
-            <a:r>
-              <a:rPr lang="nb-NO" dirty="0" err="1" smtClean="0">
+              <a:rPr lang="nb-NO" dirty="0">
+                <a:solidFill>
+                  <a:srgbClr val="FFC000"/>
+                </a:solidFill>
+              </a:rPr>
+              <a:t> </a:t>
+            </a:r>
+            <a:r>
+              <a:rPr lang="nb-NO" dirty="0" err="1">
                 <a:solidFill>
                   <a:srgbClr val="FFC000"/>
                 </a:solidFill>
@@ -8952,15 +8820,15 @@
               <a:t>they</a:t>
             </a:r>
             <a:r>
-              <a:rPr lang="nb-NO" dirty="0" smtClean="0">
-                <a:solidFill>
-                  <a:srgbClr val="FFC000"/>
-                </a:solidFill>
-              </a:rPr>
-              <a:t> </a:t>
-            </a:r>
-            <a:r>
-              <a:rPr lang="nb-NO" dirty="0" err="1" smtClean="0">
+              <a:rPr lang="nb-NO" dirty="0">
+                <a:solidFill>
+                  <a:srgbClr val="FFC000"/>
+                </a:solidFill>
+              </a:rPr>
+              <a:t> </a:t>
+            </a:r>
+            <a:r>
+              <a:rPr lang="nb-NO" dirty="0" err="1">
                 <a:solidFill>
                   <a:srgbClr val="FFC000"/>
                 </a:solidFill>
@@ -8968,18 +8836,13 @@
               <a:t>are</a:t>
             </a:r>
             <a:r>
-              <a:rPr lang="nb-NO" dirty="0" smtClean="0">
+              <a:rPr lang="nb-NO" dirty="0">
                 <a:solidFill>
                   <a:srgbClr val="FFC000"/>
                 </a:solidFill>
               </a:rPr>
               <a:t> not party to</a:t>
             </a:r>
-            <a:endParaRPr lang="nb-NO" dirty="0">
-              <a:solidFill>
-                <a:srgbClr val="FFC000"/>
-              </a:solidFill>
-            </a:endParaRPr>
           </a:p>
           <a:p>
             <a:pPr lvl="1"/>
